--- a/github icon.pptx
+++ b/github icon.pptx
@@ -8,6 +8,11 @@
     <p:sldId id="256" r:id="rId2"/>
     <p:sldId id="257" r:id="rId3"/>
     <p:sldId id="258" r:id="rId4"/>
+    <p:sldId id="261" r:id="rId5"/>
+    <p:sldId id="262" r:id="rId6"/>
+    <p:sldId id="263" r:id="rId7"/>
+    <p:sldId id="264" r:id="rId8"/>
+    <p:sldId id="265" r:id="rId9"/>
   </p:sldIdLst>
   <p:sldSz cx="12192000" cy="6858000"/>
   <p:notesSz cx="6858000" cy="9144000"/>
@@ -261,7 +266,7 @@
           <a:p>
             <a:fld id="{DAEA67D4-36E5-4457-9A43-B8031DEF43A1}" type="datetimeFigureOut">
               <a:rPr lang="zh-CN" altLang="en-US" smtClean="0"/>
-              <a:t>2022/6/14</a:t>
+              <a:t>2022/7/21</a:t>
             </a:fld>
             <a:endParaRPr lang="zh-CN" altLang="en-US"/>
           </a:p>
@@ -459,7 +464,7 @@
           <a:p>
             <a:fld id="{DAEA67D4-36E5-4457-9A43-B8031DEF43A1}" type="datetimeFigureOut">
               <a:rPr lang="zh-CN" altLang="en-US" smtClean="0"/>
-              <a:t>2022/6/14</a:t>
+              <a:t>2022/7/21</a:t>
             </a:fld>
             <a:endParaRPr lang="zh-CN" altLang="en-US"/>
           </a:p>
@@ -667,7 +672,7 @@
           <a:p>
             <a:fld id="{DAEA67D4-36E5-4457-9A43-B8031DEF43A1}" type="datetimeFigureOut">
               <a:rPr lang="zh-CN" altLang="en-US" smtClean="0"/>
-              <a:t>2022/6/14</a:t>
+              <a:t>2022/7/21</a:t>
             </a:fld>
             <a:endParaRPr lang="zh-CN" altLang="en-US"/>
           </a:p>
@@ -865,7 +870,7 @@
           <a:p>
             <a:fld id="{DAEA67D4-36E5-4457-9A43-B8031DEF43A1}" type="datetimeFigureOut">
               <a:rPr lang="zh-CN" altLang="en-US" smtClean="0"/>
-              <a:t>2022/6/14</a:t>
+              <a:t>2022/7/21</a:t>
             </a:fld>
             <a:endParaRPr lang="zh-CN" altLang="en-US"/>
           </a:p>
@@ -1140,7 +1145,7 @@
           <a:p>
             <a:fld id="{DAEA67D4-36E5-4457-9A43-B8031DEF43A1}" type="datetimeFigureOut">
               <a:rPr lang="zh-CN" altLang="en-US" smtClean="0"/>
-              <a:t>2022/6/14</a:t>
+              <a:t>2022/7/21</a:t>
             </a:fld>
             <a:endParaRPr lang="zh-CN" altLang="en-US"/>
           </a:p>
@@ -1405,7 +1410,7 @@
           <a:p>
             <a:fld id="{DAEA67D4-36E5-4457-9A43-B8031DEF43A1}" type="datetimeFigureOut">
               <a:rPr lang="zh-CN" altLang="en-US" smtClean="0"/>
-              <a:t>2022/6/14</a:t>
+              <a:t>2022/7/21</a:t>
             </a:fld>
             <a:endParaRPr lang="zh-CN" altLang="en-US"/>
           </a:p>
@@ -1817,7 +1822,7 @@
           <a:p>
             <a:fld id="{DAEA67D4-36E5-4457-9A43-B8031DEF43A1}" type="datetimeFigureOut">
               <a:rPr lang="zh-CN" altLang="en-US" smtClean="0"/>
-              <a:t>2022/6/14</a:t>
+              <a:t>2022/7/21</a:t>
             </a:fld>
             <a:endParaRPr lang="zh-CN" altLang="en-US"/>
           </a:p>
@@ -1958,7 +1963,7 @@
           <a:p>
             <a:fld id="{DAEA67D4-36E5-4457-9A43-B8031DEF43A1}" type="datetimeFigureOut">
               <a:rPr lang="zh-CN" altLang="en-US" smtClean="0"/>
-              <a:t>2022/6/14</a:t>
+              <a:t>2022/7/21</a:t>
             </a:fld>
             <a:endParaRPr lang="zh-CN" altLang="en-US"/>
           </a:p>
@@ -2071,7 +2076,7 @@
           <a:p>
             <a:fld id="{DAEA67D4-36E5-4457-9A43-B8031DEF43A1}" type="datetimeFigureOut">
               <a:rPr lang="zh-CN" altLang="en-US" smtClean="0"/>
-              <a:t>2022/6/14</a:t>
+              <a:t>2022/7/21</a:t>
             </a:fld>
             <a:endParaRPr lang="zh-CN" altLang="en-US"/>
           </a:p>
@@ -2382,7 +2387,7 @@
           <a:p>
             <a:fld id="{DAEA67D4-36E5-4457-9A43-B8031DEF43A1}" type="datetimeFigureOut">
               <a:rPr lang="zh-CN" altLang="en-US" smtClean="0"/>
-              <a:t>2022/6/14</a:t>
+              <a:t>2022/7/21</a:t>
             </a:fld>
             <a:endParaRPr lang="zh-CN" altLang="en-US"/>
           </a:p>
@@ -2670,7 +2675,7 @@
           <a:p>
             <a:fld id="{DAEA67D4-36E5-4457-9A43-B8031DEF43A1}" type="datetimeFigureOut">
               <a:rPr lang="zh-CN" altLang="en-US" smtClean="0"/>
-              <a:t>2022/6/14</a:t>
+              <a:t>2022/7/21</a:t>
             </a:fld>
             <a:endParaRPr lang="zh-CN" altLang="en-US"/>
           </a:p>
@@ -2911,7 +2916,7 @@
           <a:p>
             <a:fld id="{DAEA67D4-36E5-4457-9A43-B8031DEF43A1}" type="datetimeFigureOut">
               <a:rPr lang="zh-CN" altLang="en-US" smtClean="0"/>
-              <a:t>2022/6/14</a:t>
+              <a:t>2022/7/21</a:t>
             </a:fld>
             <a:endParaRPr lang="zh-CN" altLang="en-US"/>
           </a:p>
@@ -4184,6 +4189,3557 @@
 </p:sld>
 </file>
 
+<file path=ppt/slides/slide4.xml><?xml version="1.0" encoding="utf-8"?>
+<p:sld xmlns:a="http://schemas.openxmlformats.org/drawingml/2006/main" xmlns:r="http://schemas.openxmlformats.org/officeDocument/2006/relationships" xmlns:p="http://schemas.openxmlformats.org/presentationml/2006/main">
+  <p:cSld>
+    <p:spTree>
+      <p:nvGrpSpPr>
+        <p:cNvPr id="1" name=""/>
+        <p:cNvGrpSpPr/>
+        <p:nvPr/>
+      </p:nvGrpSpPr>
+      <p:grpSpPr>
+        <a:xfrm>
+          <a:off x="0" y="0"/>
+          <a:ext cx="0" cy="0"/>
+          <a:chOff x="0" y="0"/>
+          <a:chExt cx="0" cy="0"/>
+        </a:xfrm>
+      </p:grpSpPr>
+      <p:sp>
+        <p:nvSpPr>
+          <p:cNvPr id="21" name="等腰三角形 20">
+            <a:extLst>
+              <a:ext uri="{FF2B5EF4-FFF2-40B4-BE49-F238E27FC236}">
+                <a16:creationId xmlns:a16="http://schemas.microsoft.com/office/drawing/2014/main" id="{5F46EFBA-593A-8559-C3DC-265994295610}"/>
+              </a:ext>
+            </a:extLst>
+          </p:cNvPr>
+          <p:cNvSpPr/>
+          <p:nvPr/>
+        </p:nvSpPr>
+        <p:spPr>
+          <a:xfrm>
+            <a:off x="5420904" y="2536153"/>
+            <a:ext cx="1350193" cy="3291992"/>
+          </a:xfrm>
+          <a:prstGeom prst="triangle">
+            <a:avLst/>
+          </a:prstGeom>
+          <a:solidFill>
+            <a:srgbClr val="38BB03"/>
+          </a:solidFill>
+          <a:ln>
+            <a:solidFill>
+              <a:srgbClr val="38BB03"/>
+            </a:solidFill>
+          </a:ln>
+        </p:spPr>
+        <p:style>
+          <a:lnRef idx="2">
+            <a:schemeClr val="accent1">
+              <a:shade val="50000"/>
+            </a:schemeClr>
+          </a:lnRef>
+          <a:fillRef idx="1">
+            <a:schemeClr val="accent1"/>
+          </a:fillRef>
+          <a:effectRef idx="0">
+            <a:schemeClr val="accent1"/>
+          </a:effectRef>
+          <a:fontRef idx="minor">
+            <a:schemeClr val="lt1"/>
+          </a:fontRef>
+        </p:style>
+        <p:txBody>
+          <a:bodyPr rtlCol="0" anchor="ctr"/>
+          <a:lstStyle/>
+          <a:p>
+            <a:pPr algn="ctr"/>
+            <a:endParaRPr lang="zh-CN" altLang="en-US" dirty="0"/>
+          </a:p>
+        </p:txBody>
+      </p:sp>
+      <p:sp>
+        <p:nvSpPr>
+          <p:cNvPr id="57" name="椭圆 56">
+            <a:extLst>
+              <a:ext uri="{FF2B5EF4-FFF2-40B4-BE49-F238E27FC236}">
+                <a16:creationId xmlns:a16="http://schemas.microsoft.com/office/drawing/2014/main" id="{AD79F9F9-DB92-F445-CC45-6B3B3C06226E}"/>
+              </a:ext>
+            </a:extLst>
+          </p:cNvPr>
+          <p:cNvSpPr/>
+          <p:nvPr/>
+        </p:nvSpPr>
+        <p:spPr>
+          <a:xfrm rot="1698704">
+            <a:off x="4195509" y="185065"/>
+            <a:ext cx="3800984" cy="5154368"/>
+          </a:xfrm>
+          <a:prstGeom prst="ellipse">
+            <a:avLst/>
+          </a:prstGeom>
+          <a:noFill/>
+          <a:ln w="76200">
+            <a:solidFill>
+              <a:srgbClr val="FF0000"/>
+            </a:solidFill>
+          </a:ln>
+        </p:spPr>
+        <p:style>
+          <a:lnRef idx="2">
+            <a:schemeClr val="accent1">
+              <a:shade val="50000"/>
+            </a:schemeClr>
+          </a:lnRef>
+          <a:fillRef idx="1">
+            <a:schemeClr val="accent1"/>
+          </a:fillRef>
+          <a:effectRef idx="0">
+            <a:schemeClr val="accent1"/>
+          </a:effectRef>
+          <a:fontRef idx="minor">
+            <a:schemeClr val="lt1"/>
+          </a:fontRef>
+        </p:style>
+        <p:txBody>
+          <a:bodyPr rtlCol="0" anchor="ctr"/>
+          <a:lstStyle/>
+          <a:p>
+            <a:pPr algn="ctr"/>
+            <a:endParaRPr lang="zh-CN" altLang="en-US" dirty="0">
+              <a:solidFill>
+                <a:srgbClr val="FF0000"/>
+              </a:solidFill>
+            </a:endParaRPr>
+          </a:p>
+        </p:txBody>
+      </p:sp>
+      <p:sp>
+        <p:nvSpPr>
+          <p:cNvPr id="3" name="矩形: 圆角 2">
+            <a:extLst>
+              <a:ext uri="{FF2B5EF4-FFF2-40B4-BE49-F238E27FC236}">
+                <a16:creationId xmlns:a16="http://schemas.microsoft.com/office/drawing/2014/main" id="{B2465E70-8235-074D-C654-E79C59460B76}"/>
+              </a:ext>
+            </a:extLst>
+          </p:cNvPr>
+          <p:cNvSpPr/>
+          <p:nvPr/>
+        </p:nvSpPr>
+        <p:spPr>
+          <a:xfrm>
+            <a:off x="5978323" y="1306933"/>
+            <a:ext cx="235355" cy="1895883"/>
+          </a:xfrm>
+          <a:prstGeom prst="roundRect">
+            <a:avLst>
+              <a:gd name="adj" fmla="val 50000"/>
+            </a:avLst>
+          </a:prstGeom>
+          <a:solidFill>
+            <a:srgbClr val="38BB03"/>
+          </a:solidFill>
+          <a:ln>
+            <a:solidFill>
+              <a:srgbClr val="38BB03"/>
+            </a:solidFill>
+          </a:ln>
+        </p:spPr>
+        <p:style>
+          <a:lnRef idx="2">
+            <a:schemeClr val="accent1">
+              <a:shade val="50000"/>
+            </a:schemeClr>
+          </a:lnRef>
+          <a:fillRef idx="1">
+            <a:schemeClr val="accent1"/>
+          </a:fillRef>
+          <a:effectRef idx="0">
+            <a:schemeClr val="accent1"/>
+          </a:effectRef>
+          <a:fontRef idx="minor">
+            <a:schemeClr val="lt1"/>
+          </a:fontRef>
+        </p:style>
+        <p:txBody>
+          <a:bodyPr rtlCol="0" anchor="ctr"/>
+          <a:lstStyle/>
+          <a:p>
+            <a:pPr algn="ctr"/>
+            <a:endParaRPr lang="zh-CN" altLang="en-US"/>
+          </a:p>
+        </p:txBody>
+      </p:sp>
+      <p:sp>
+        <p:nvSpPr>
+          <p:cNvPr id="19" name="矩形: 圆角 18">
+            <a:extLst>
+              <a:ext uri="{FF2B5EF4-FFF2-40B4-BE49-F238E27FC236}">
+                <a16:creationId xmlns:a16="http://schemas.microsoft.com/office/drawing/2014/main" id="{B2465E70-8235-074D-C654-E79C59460B76}"/>
+              </a:ext>
+            </a:extLst>
+          </p:cNvPr>
+          <p:cNvSpPr/>
+          <p:nvPr/>
+        </p:nvSpPr>
+        <p:spPr>
+          <a:xfrm>
+            <a:off x="980231" y="4182149"/>
+            <a:ext cx="235355" cy="1895883"/>
+          </a:xfrm>
+          <a:prstGeom prst="roundRect">
+            <a:avLst>
+              <a:gd name="adj" fmla="val 50000"/>
+            </a:avLst>
+          </a:prstGeom>
+          <a:solidFill>
+            <a:srgbClr val="38BB03"/>
+          </a:solidFill>
+          <a:ln>
+            <a:solidFill>
+              <a:srgbClr val="38BB03"/>
+            </a:solidFill>
+          </a:ln>
+        </p:spPr>
+        <p:style>
+          <a:lnRef idx="2">
+            <a:schemeClr val="accent1">
+              <a:shade val="50000"/>
+            </a:schemeClr>
+          </a:lnRef>
+          <a:fillRef idx="1">
+            <a:schemeClr val="accent1"/>
+          </a:fillRef>
+          <a:effectRef idx="0">
+            <a:schemeClr val="accent1"/>
+          </a:effectRef>
+          <a:fontRef idx="minor">
+            <a:schemeClr val="lt1"/>
+          </a:fontRef>
+        </p:style>
+        <p:txBody>
+          <a:bodyPr rtlCol="0" anchor="ctr"/>
+          <a:lstStyle>
+            <a:defPPr>
+              <a:defRPr lang="zh-CN"/>
+            </a:defPPr>
+            <a:lvl1pPr marL="0" algn="l" defTabSz="914400" rtl="0" eaLnBrk="1" latinLnBrk="0" hangingPunct="1">
+              <a:defRPr sz="1800" kern="1200">
+                <a:solidFill>
+                  <a:schemeClr val="lt1"/>
+                </a:solidFill>
+                <a:latin typeface="+mn-lt"/>
+                <a:ea typeface="+mn-ea"/>
+                <a:cs typeface="+mn-cs"/>
+              </a:defRPr>
+            </a:lvl1pPr>
+            <a:lvl2pPr marL="457200" algn="l" defTabSz="914400" rtl="0" eaLnBrk="1" latinLnBrk="0" hangingPunct="1">
+              <a:defRPr sz="1800" kern="1200">
+                <a:solidFill>
+                  <a:schemeClr val="lt1"/>
+                </a:solidFill>
+                <a:latin typeface="+mn-lt"/>
+                <a:ea typeface="+mn-ea"/>
+                <a:cs typeface="+mn-cs"/>
+              </a:defRPr>
+            </a:lvl2pPr>
+            <a:lvl3pPr marL="914400" algn="l" defTabSz="914400" rtl="0" eaLnBrk="1" latinLnBrk="0" hangingPunct="1">
+              <a:defRPr sz="1800" kern="1200">
+                <a:solidFill>
+                  <a:schemeClr val="lt1"/>
+                </a:solidFill>
+                <a:latin typeface="+mn-lt"/>
+                <a:ea typeface="+mn-ea"/>
+                <a:cs typeface="+mn-cs"/>
+              </a:defRPr>
+            </a:lvl3pPr>
+            <a:lvl4pPr marL="1371600" algn="l" defTabSz="914400" rtl="0" eaLnBrk="1" latinLnBrk="0" hangingPunct="1">
+              <a:defRPr sz="1800" kern="1200">
+                <a:solidFill>
+                  <a:schemeClr val="lt1"/>
+                </a:solidFill>
+                <a:latin typeface="+mn-lt"/>
+                <a:ea typeface="+mn-ea"/>
+                <a:cs typeface="+mn-cs"/>
+              </a:defRPr>
+            </a:lvl4pPr>
+            <a:lvl5pPr marL="1828800" algn="l" defTabSz="914400" rtl="0" eaLnBrk="1" latinLnBrk="0" hangingPunct="1">
+              <a:defRPr sz="1800" kern="1200">
+                <a:solidFill>
+                  <a:schemeClr val="lt1"/>
+                </a:solidFill>
+                <a:latin typeface="+mn-lt"/>
+                <a:ea typeface="+mn-ea"/>
+                <a:cs typeface="+mn-cs"/>
+              </a:defRPr>
+            </a:lvl5pPr>
+            <a:lvl6pPr marL="2286000" algn="l" defTabSz="914400" rtl="0" eaLnBrk="1" latinLnBrk="0" hangingPunct="1">
+              <a:defRPr sz="1800" kern="1200">
+                <a:solidFill>
+                  <a:schemeClr val="lt1"/>
+                </a:solidFill>
+                <a:latin typeface="+mn-lt"/>
+                <a:ea typeface="+mn-ea"/>
+                <a:cs typeface="+mn-cs"/>
+              </a:defRPr>
+            </a:lvl6pPr>
+            <a:lvl7pPr marL="2743200" algn="l" defTabSz="914400" rtl="0" eaLnBrk="1" latinLnBrk="0" hangingPunct="1">
+              <a:defRPr sz="1800" kern="1200">
+                <a:solidFill>
+                  <a:schemeClr val="lt1"/>
+                </a:solidFill>
+                <a:latin typeface="+mn-lt"/>
+                <a:ea typeface="+mn-ea"/>
+                <a:cs typeface="+mn-cs"/>
+              </a:defRPr>
+            </a:lvl7pPr>
+            <a:lvl8pPr marL="3200400" algn="l" defTabSz="914400" rtl="0" eaLnBrk="1" latinLnBrk="0" hangingPunct="1">
+              <a:defRPr sz="1800" kern="1200">
+                <a:solidFill>
+                  <a:schemeClr val="lt1"/>
+                </a:solidFill>
+                <a:latin typeface="+mn-lt"/>
+                <a:ea typeface="+mn-ea"/>
+                <a:cs typeface="+mn-cs"/>
+              </a:defRPr>
+            </a:lvl8pPr>
+            <a:lvl9pPr marL="3657600" algn="l" defTabSz="914400" rtl="0" eaLnBrk="1" latinLnBrk="0" hangingPunct="1">
+              <a:defRPr sz="1800" kern="1200">
+                <a:solidFill>
+                  <a:schemeClr val="lt1"/>
+                </a:solidFill>
+                <a:latin typeface="+mn-lt"/>
+                <a:ea typeface="+mn-ea"/>
+                <a:cs typeface="+mn-cs"/>
+              </a:defRPr>
+            </a:lvl9pPr>
+          </a:lstStyle>
+          <a:p>
+            <a:pPr algn="ctr"/>
+            <a:endParaRPr lang="zh-CN" altLang="en-US"/>
+          </a:p>
+        </p:txBody>
+      </p:sp>
+      <p:grpSp>
+        <p:nvGrpSpPr>
+          <p:cNvPr id="5" name="组合 4">
+            <a:extLst>
+              <a:ext uri="{FF2B5EF4-FFF2-40B4-BE49-F238E27FC236}">
+                <a16:creationId xmlns:a16="http://schemas.microsoft.com/office/drawing/2014/main" id="{AA632667-A6CE-B2CC-7D1D-E7E579DF0E5F}"/>
+              </a:ext>
+            </a:extLst>
+          </p:cNvPr>
+          <p:cNvGrpSpPr/>
+          <p:nvPr/>
+        </p:nvGrpSpPr>
+        <p:grpSpPr>
+          <a:xfrm>
+            <a:off x="5426001" y="1976308"/>
+            <a:ext cx="1339999" cy="1895883"/>
+            <a:chOff x="2380727" y="886422"/>
+            <a:chExt cx="1339999" cy="1895883"/>
+          </a:xfrm>
+        </p:grpSpPr>
+        <p:sp>
+          <p:nvSpPr>
+            <p:cNvPr id="20" name="矩形: 圆角 19">
+              <a:extLst>
+                <a:ext uri="{FF2B5EF4-FFF2-40B4-BE49-F238E27FC236}">
+                  <a16:creationId xmlns:a16="http://schemas.microsoft.com/office/drawing/2014/main" id="{13DC338D-7032-FAAD-4AA7-1BA191FA458E}"/>
+                </a:ext>
+              </a:extLst>
+            </p:cNvPr>
+            <p:cNvSpPr/>
+            <p:nvPr/>
+          </p:nvSpPr>
+          <p:spPr>
+            <a:xfrm rot="20100000" flipH="1">
+              <a:off x="2380727" y="886422"/>
+              <a:ext cx="235355" cy="1895883"/>
+            </a:xfrm>
+            <a:prstGeom prst="roundRect">
+              <a:avLst>
+                <a:gd name="adj" fmla="val 50000"/>
+              </a:avLst>
+            </a:prstGeom>
+            <a:solidFill>
+              <a:srgbClr val="38BB03"/>
+            </a:solidFill>
+            <a:ln>
+              <a:solidFill>
+                <a:srgbClr val="38BB03"/>
+              </a:solidFill>
+            </a:ln>
+          </p:spPr>
+          <p:style>
+            <a:lnRef idx="2">
+              <a:schemeClr val="accent1">
+                <a:shade val="50000"/>
+              </a:schemeClr>
+            </a:lnRef>
+            <a:fillRef idx="1">
+              <a:schemeClr val="accent1"/>
+            </a:fillRef>
+            <a:effectRef idx="0">
+              <a:schemeClr val="accent1"/>
+            </a:effectRef>
+            <a:fontRef idx="minor">
+              <a:schemeClr val="lt1"/>
+            </a:fontRef>
+          </p:style>
+          <p:txBody>
+            <a:bodyPr rtlCol="0" anchor="ctr"/>
+            <a:lstStyle/>
+            <a:p>
+              <a:pPr algn="ctr"/>
+              <a:endParaRPr lang="zh-CN" altLang="en-US"/>
+            </a:p>
+          </p:txBody>
+        </p:sp>
+        <p:sp>
+          <p:nvSpPr>
+            <p:cNvPr id="22" name="矩形: 圆角 21">
+              <a:extLst>
+                <a:ext uri="{FF2B5EF4-FFF2-40B4-BE49-F238E27FC236}">
+                  <a16:creationId xmlns:a16="http://schemas.microsoft.com/office/drawing/2014/main" id="{14DB57BE-FA54-F311-8A8D-13FEF36A0EC0}"/>
+                </a:ext>
+              </a:extLst>
+            </p:cNvPr>
+            <p:cNvSpPr/>
+            <p:nvPr/>
+          </p:nvSpPr>
+          <p:spPr>
+            <a:xfrm rot="1500000">
+              <a:off x="3485371" y="886422"/>
+              <a:ext cx="235355" cy="1895883"/>
+            </a:xfrm>
+            <a:prstGeom prst="roundRect">
+              <a:avLst>
+                <a:gd name="adj" fmla="val 50000"/>
+              </a:avLst>
+            </a:prstGeom>
+            <a:solidFill>
+              <a:srgbClr val="38BB03"/>
+            </a:solidFill>
+            <a:ln>
+              <a:solidFill>
+                <a:srgbClr val="38BB03"/>
+              </a:solidFill>
+            </a:ln>
+          </p:spPr>
+          <p:style>
+            <a:lnRef idx="2">
+              <a:schemeClr val="accent1">
+                <a:shade val="50000"/>
+              </a:schemeClr>
+            </a:lnRef>
+            <a:fillRef idx="1">
+              <a:schemeClr val="accent1"/>
+            </a:fillRef>
+            <a:effectRef idx="0">
+              <a:schemeClr val="accent1"/>
+            </a:effectRef>
+            <a:fontRef idx="minor">
+              <a:schemeClr val="lt1"/>
+            </a:fontRef>
+          </p:style>
+          <p:txBody>
+            <a:bodyPr rtlCol="0" anchor="ctr"/>
+            <a:lstStyle/>
+            <a:p>
+              <a:pPr algn="ctr"/>
+              <a:endParaRPr lang="zh-CN" altLang="en-US"/>
+            </a:p>
+          </p:txBody>
+        </p:sp>
+      </p:grpSp>
+      <p:grpSp>
+        <p:nvGrpSpPr>
+          <p:cNvPr id="6" name="组合 5">
+            <a:extLst>
+              <a:ext uri="{FF2B5EF4-FFF2-40B4-BE49-F238E27FC236}">
+                <a16:creationId xmlns:a16="http://schemas.microsoft.com/office/drawing/2014/main" id="{27DF698F-F5AA-BE9C-A129-45BF6D66151E}"/>
+              </a:ext>
+            </a:extLst>
+          </p:cNvPr>
+          <p:cNvGrpSpPr/>
+          <p:nvPr/>
+        </p:nvGrpSpPr>
+        <p:grpSpPr>
+          <a:xfrm>
+            <a:off x="5177873" y="3252392"/>
+            <a:ext cx="2662736" cy="1895883"/>
+            <a:chOff x="980229" y="834705"/>
+            <a:chExt cx="2662736" cy="1895883"/>
+          </a:xfrm>
+        </p:grpSpPr>
+        <p:sp>
+          <p:nvSpPr>
+            <p:cNvPr id="23" name="矩形: 圆角 22">
+              <a:extLst>
+                <a:ext uri="{FF2B5EF4-FFF2-40B4-BE49-F238E27FC236}">
+                  <a16:creationId xmlns:a16="http://schemas.microsoft.com/office/drawing/2014/main" id="{2CBBFE27-C674-8764-BFF7-98DCD16873AE}"/>
+                </a:ext>
+              </a:extLst>
+            </p:cNvPr>
+            <p:cNvSpPr/>
+            <p:nvPr/>
+          </p:nvSpPr>
+          <p:spPr>
+            <a:xfrm rot="2700000">
+              <a:off x="2577346" y="834705"/>
+              <a:ext cx="235355" cy="1895883"/>
+            </a:xfrm>
+            <a:prstGeom prst="roundRect">
+              <a:avLst>
+                <a:gd name="adj" fmla="val 50000"/>
+              </a:avLst>
+            </a:prstGeom>
+            <a:solidFill>
+              <a:srgbClr val="38BB03"/>
+            </a:solidFill>
+            <a:ln>
+              <a:solidFill>
+                <a:srgbClr val="38BB03"/>
+              </a:solidFill>
+            </a:ln>
+          </p:spPr>
+          <p:style>
+            <a:lnRef idx="2">
+              <a:schemeClr val="accent1">
+                <a:shade val="50000"/>
+              </a:schemeClr>
+            </a:lnRef>
+            <a:fillRef idx="1">
+              <a:schemeClr val="accent1"/>
+            </a:fillRef>
+            <a:effectRef idx="0">
+              <a:schemeClr val="accent1"/>
+            </a:effectRef>
+            <a:fontRef idx="minor">
+              <a:schemeClr val="lt1"/>
+            </a:fontRef>
+          </p:style>
+          <p:txBody>
+            <a:bodyPr rtlCol="0" anchor="ctr"/>
+            <a:lstStyle>
+              <a:defPPr>
+                <a:defRPr lang="zh-CN"/>
+              </a:defPPr>
+              <a:lvl1pPr marL="0" algn="l" defTabSz="914400" rtl="0" eaLnBrk="1" latinLnBrk="0" hangingPunct="1">
+                <a:defRPr sz="1800" kern="1200">
+                  <a:solidFill>
+                    <a:schemeClr val="lt1"/>
+                  </a:solidFill>
+                  <a:latin typeface="+mn-lt"/>
+                  <a:ea typeface="+mn-ea"/>
+                  <a:cs typeface="+mn-cs"/>
+                </a:defRPr>
+              </a:lvl1pPr>
+              <a:lvl2pPr marL="457200" algn="l" defTabSz="914400" rtl="0" eaLnBrk="1" latinLnBrk="0" hangingPunct="1">
+                <a:defRPr sz="1800" kern="1200">
+                  <a:solidFill>
+                    <a:schemeClr val="lt1"/>
+                  </a:solidFill>
+                  <a:latin typeface="+mn-lt"/>
+                  <a:ea typeface="+mn-ea"/>
+                  <a:cs typeface="+mn-cs"/>
+                </a:defRPr>
+              </a:lvl2pPr>
+              <a:lvl3pPr marL="914400" algn="l" defTabSz="914400" rtl="0" eaLnBrk="1" latinLnBrk="0" hangingPunct="1">
+                <a:defRPr sz="1800" kern="1200">
+                  <a:solidFill>
+                    <a:schemeClr val="lt1"/>
+                  </a:solidFill>
+                  <a:latin typeface="+mn-lt"/>
+                  <a:ea typeface="+mn-ea"/>
+                  <a:cs typeface="+mn-cs"/>
+                </a:defRPr>
+              </a:lvl3pPr>
+              <a:lvl4pPr marL="1371600" algn="l" defTabSz="914400" rtl="0" eaLnBrk="1" latinLnBrk="0" hangingPunct="1">
+                <a:defRPr sz="1800" kern="1200">
+                  <a:solidFill>
+                    <a:schemeClr val="lt1"/>
+                  </a:solidFill>
+                  <a:latin typeface="+mn-lt"/>
+                  <a:ea typeface="+mn-ea"/>
+                  <a:cs typeface="+mn-cs"/>
+                </a:defRPr>
+              </a:lvl4pPr>
+              <a:lvl5pPr marL="1828800" algn="l" defTabSz="914400" rtl="0" eaLnBrk="1" latinLnBrk="0" hangingPunct="1">
+                <a:defRPr sz="1800" kern="1200">
+                  <a:solidFill>
+                    <a:schemeClr val="lt1"/>
+                  </a:solidFill>
+                  <a:latin typeface="+mn-lt"/>
+                  <a:ea typeface="+mn-ea"/>
+                  <a:cs typeface="+mn-cs"/>
+                </a:defRPr>
+              </a:lvl5pPr>
+              <a:lvl6pPr marL="2286000" algn="l" defTabSz="914400" rtl="0" eaLnBrk="1" latinLnBrk="0" hangingPunct="1">
+                <a:defRPr sz="1800" kern="1200">
+                  <a:solidFill>
+                    <a:schemeClr val="lt1"/>
+                  </a:solidFill>
+                  <a:latin typeface="+mn-lt"/>
+                  <a:ea typeface="+mn-ea"/>
+                  <a:cs typeface="+mn-cs"/>
+                </a:defRPr>
+              </a:lvl6pPr>
+              <a:lvl7pPr marL="2743200" algn="l" defTabSz="914400" rtl="0" eaLnBrk="1" latinLnBrk="0" hangingPunct="1">
+                <a:defRPr sz="1800" kern="1200">
+                  <a:solidFill>
+                    <a:schemeClr val="lt1"/>
+                  </a:solidFill>
+                  <a:latin typeface="+mn-lt"/>
+                  <a:ea typeface="+mn-ea"/>
+                  <a:cs typeface="+mn-cs"/>
+                </a:defRPr>
+              </a:lvl7pPr>
+              <a:lvl8pPr marL="3200400" algn="l" defTabSz="914400" rtl="0" eaLnBrk="1" latinLnBrk="0" hangingPunct="1">
+                <a:defRPr sz="1800" kern="1200">
+                  <a:solidFill>
+                    <a:schemeClr val="lt1"/>
+                  </a:solidFill>
+                  <a:latin typeface="+mn-lt"/>
+                  <a:ea typeface="+mn-ea"/>
+                  <a:cs typeface="+mn-cs"/>
+                </a:defRPr>
+              </a:lvl8pPr>
+              <a:lvl9pPr marL="3657600" algn="l" defTabSz="914400" rtl="0" eaLnBrk="1" latinLnBrk="0" hangingPunct="1">
+                <a:defRPr sz="1800" kern="1200">
+                  <a:solidFill>
+                    <a:schemeClr val="lt1"/>
+                  </a:solidFill>
+                  <a:latin typeface="+mn-lt"/>
+                  <a:ea typeface="+mn-ea"/>
+                  <a:cs typeface="+mn-cs"/>
+                </a:defRPr>
+              </a:lvl9pPr>
+            </a:lstStyle>
+            <a:p>
+              <a:pPr algn="ctr"/>
+              <a:endParaRPr lang="zh-CN" altLang="en-US"/>
+            </a:p>
+          </p:txBody>
+        </p:sp>
+        <p:sp>
+          <p:nvSpPr>
+            <p:cNvPr id="24" name="矩形: 圆角 23">
+              <a:extLst>
+                <a:ext uri="{FF2B5EF4-FFF2-40B4-BE49-F238E27FC236}">
+                  <a16:creationId xmlns:a16="http://schemas.microsoft.com/office/drawing/2014/main" id="{755D46D5-B4C7-F8AD-7CF6-29C6E0C443A6}"/>
+                </a:ext>
+              </a:extLst>
+            </p:cNvPr>
+            <p:cNvSpPr/>
+            <p:nvPr/>
+          </p:nvSpPr>
+          <p:spPr>
+            <a:xfrm rot="18900000" flipH="1">
+              <a:off x="980229" y="834705"/>
+              <a:ext cx="235355" cy="1895883"/>
+            </a:xfrm>
+            <a:prstGeom prst="roundRect">
+              <a:avLst>
+                <a:gd name="adj" fmla="val 50000"/>
+              </a:avLst>
+            </a:prstGeom>
+            <a:solidFill>
+              <a:srgbClr val="38BB03"/>
+            </a:solidFill>
+            <a:ln>
+              <a:solidFill>
+                <a:srgbClr val="38BB03"/>
+              </a:solidFill>
+            </a:ln>
+          </p:spPr>
+          <p:style>
+            <a:lnRef idx="2">
+              <a:schemeClr val="accent1">
+                <a:shade val="50000"/>
+              </a:schemeClr>
+            </a:lnRef>
+            <a:fillRef idx="1">
+              <a:schemeClr val="accent1"/>
+            </a:fillRef>
+            <a:effectRef idx="0">
+              <a:schemeClr val="accent1"/>
+            </a:effectRef>
+            <a:fontRef idx="minor">
+              <a:schemeClr val="lt1"/>
+            </a:fontRef>
+          </p:style>
+          <p:txBody>
+            <a:bodyPr rtlCol="0" anchor="ctr"/>
+            <a:lstStyle>
+              <a:defPPr>
+                <a:defRPr lang="zh-CN"/>
+              </a:defPPr>
+              <a:lvl1pPr marL="0" algn="l" defTabSz="914400" rtl="0" eaLnBrk="1" latinLnBrk="0" hangingPunct="1">
+                <a:defRPr sz="1800" kern="1200">
+                  <a:solidFill>
+                    <a:schemeClr val="lt1"/>
+                  </a:solidFill>
+                  <a:latin typeface="+mn-lt"/>
+                  <a:ea typeface="+mn-ea"/>
+                  <a:cs typeface="+mn-cs"/>
+                </a:defRPr>
+              </a:lvl1pPr>
+              <a:lvl2pPr marL="457200" algn="l" defTabSz="914400" rtl="0" eaLnBrk="1" latinLnBrk="0" hangingPunct="1">
+                <a:defRPr sz="1800" kern="1200">
+                  <a:solidFill>
+                    <a:schemeClr val="lt1"/>
+                  </a:solidFill>
+                  <a:latin typeface="+mn-lt"/>
+                  <a:ea typeface="+mn-ea"/>
+                  <a:cs typeface="+mn-cs"/>
+                </a:defRPr>
+              </a:lvl2pPr>
+              <a:lvl3pPr marL="914400" algn="l" defTabSz="914400" rtl="0" eaLnBrk="1" latinLnBrk="0" hangingPunct="1">
+                <a:defRPr sz="1800" kern="1200">
+                  <a:solidFill>
+                    <a:schemeClr val="lt1"/>
+                  </a:solidFill>
+                  <a:latin typeface="+mn-lt"/>
+                  <a:ea typeface="+mn-ea"/>
+                  <a:cs typeface="+mn-cs"/>
+                </a:defRPr>
+              </a:lvl3pPr>
+              <a:lvl4pPr marL="1371600" algn="l" defTabSz="914400" rtl="0" eaLnBrk="1" latinLnBrk="0" hangingPunct="1">
+                <a:defRPr sz="1800" kern="1200">
+                  <a:solidFill>
+                    <a:schemeClr val="lt1"/>
+                  </a:solidFill>
+                  <a:latin typeface="+mn-lt"/>
+                  <a:ea typeface="+mn-ea"/>
+                  <a:cs typeface="+mn-cs"/>
+                </a:defRPr>
+              </a:lvl4pPr>
+              <a:lvl5pPr marL="1828800" algn="l" defTabSz="914400" rtl="0" eaLnBrk="1" latinLnBrk="0" hangingPunct="1">
+                <a:defRPr sz="1800" kern="1200">
+                  <a:solidFill>
+                    <a:schemeClr val="lt1"/>
+                  </a:solidFill>
+                  <a:latin typeface="+mn-lt"/>
+                  <a:ea typeface="+mn-ea"/>
+                  <a:cs typeface="+mn-cs"/>
+                </a:defRPr>
+              </a:lvl5pPr>
+              <a:lvl6pPr marL="2286000" algn="l" defTabSz="914400" rtl="0" eaLnBrk="1" latinLnBrk="0" hangingPunct="1">
+                <a:defRPr sz="1800" kern="1200">
+                  <a:solidFill>
+                    <a:schemeClr val="lt1"/>
+                  </a:solidFill>
+                  <a:latin typeface="+mn-lt"/>
+                  <a:ea typeface="+mn-ea"/>
+                  <a:cs typeface="+mn-cs"/>
+                </a:defRPr>
+              </a:lvl6pPr>
+              <a:lvl7pPr marL="2743200" algn="l" defTabSz="914400" rtl="0" eaLnBrk="1" latinLnBrk="0" hangingPunct="1">
+                <a:defRPr sz="1800" kern="1200">
+                  <a:solidFill>
+                    <a:schemeClr val="lt1"/>
+                  </a:solidFill>
+                  <a:latin typeface="+mn-lt"/>
+                  <a:ea typeface="+mn-ea"/>
+                  <a:cs typeface="+mn-cs"/>
+                </a:defRPr>
+              </a:lvl7pPr>
+              <a:lvl8pPr marL="3200400" algn="l" defTabSz="914400" rtl="0" eaLnBrk="1" latinLnBrk="0" hangingPunct="1">
+                <a:defRPr sz="1800" kern="1200">
+                  <a:solidFill>
+                    <a:schemeClr val="lt1"/>
+                  </a:solidFill>
+                  <a:latin typeface="+mn-lt"/>
+                  <a:ea typeface="+mn-ea"/>
+                  <a:cs typeface="+mn-cs"/>
+                </a:defRPr>
+              </a:lvl8pPr>
+              <a:lvl9pPr marL="3657600" algn="l" defTabSz="914400" rtl="0" eaLnBrk="1" latinLnBrk="0" hangingPunct="1">
+                <a:defRPr sz="1800" kern="1200">
+                  <a:solidFill>
+                    <a:schemeClr val="lt1"/>
+                  </a:solidFill>
+                  <a:latin typeface="+mn-lt"/>
+                  <a:ea typeface="+mn-ea"/>
+                  <a:cs typeface="+mn-cs"/>
+                </a:defRPr>
+              </a:lvl9pPr>
+            </a:lstStyle>
+            <a:p>
+              <a:pPr algn="ctr"/>
+              <a:endParaRPr lang="zh-CN" altLang="en-US"/>
+            </a:p>
+          </p:txBody>
+        </p:sp>
+      </p:grpSp>
+    </p:spTree>
+    <p:extLst>
+      <p:ext uri="{BB962C8B-B14F-4D97-AF65-F5344CB8AC3E}">
+        <p14:creationId xmlns:p14="http://schemas.microsoft.com/office/powerpoint/2010/main" val="855134920"/>
+      </p:ext>
+    </p:extLst>
+  </p:cSld>
+  <p:clrMapOvr>
+    <a:masterClrMapping/>
+  </p:clrMapOvr>
+</p:sld>
+</file>
+
+<file path=ppt/slides/slide5.xml><?xml version="1.0" encoding="utf-8"?>
+<p:sld xmlns:a="http://schemas.openxmlformats.org/drawingml/2006/main" xmlns:r="http://schemas.openxmlformats.org/officeDocument/2006/relationships" xmlns:p="http://schemas.openxmlformats.org/presentationml/2006/main">
+  <p:cSld>
+    <p:spTree>
+      <p:nvGrpSpPr>
+        <p:cNvPr id="1" name=""/>
+        <p:cNvGrpSpPr/>
+        <p:nvPr/>
+      </p:nvGrpSpPr>
+      <p:grpSpPr>
+        <a:xfrm>
+          <a:off x="0" y="0"/>
+          <a:ext cx="0" cy="0"/>
+          <a:chOff x="0" y="0"/>
+          <a:chExt cx="0" cy="0"/>
+        </a:xfrm>
+      </p:grpSpPr>
+      <p:sp>
+        <p:nvSpPr>
+          <p:cNvPr id="13" name="任意多边形: 形状 12">
+            <a:extLst>
+              <a:ext uri="{FF2B5EF4-FFF2-40B4-BE49-F238E27FC236}">
+                <a16:creationId xmlns:a16="http://schemas.microsoft.com/office/drawing/2014/main" id="{610429BA-1E45-9C87-92B1-AB36BDF6A93B}"/>
+              </a:ext>
+            </a:extLst>
+          </p:cNvPr>
+          <p:cNvSpPr/>
+          <p:nvPr/>
+        </p:nvSpPr>
+        <p:spPr>
+          <a:xfrm rot="1698704">
+            <a:off x="4081815" y="193694"/>
+            <a:ext cx="3948890" cy="5596515"/>
+          </a:xfrm>
+          <a:custGeom>
+            <a:avLst/>
+            <a:gdLst>
+              <a:gd name="connsiteX0" fmla="*/ 3350732 w 3948890"/>
+              <a:gd name="connsiteY0" fmla="*/ 4240792 h 5596515"/>
+              <a:gd name="connsiteX1" fmla="*/ 3948890 w 3948890"/>
+              <a:gd name="connsiteY1" fmla="*/ 4956161 h 5596515"/>
+              <a:gd name="connsiteX2" fmla="*/ 2760207 w 3948890"/>
+              <a:gd name="connsiteY2" fmla="*/ 5596515 h 5596515"/>
+              <a:gd name="connsiteX3" fmla="*/ 2576085 w 3948890"/>
+              <a:gd name="connsiteY3" fmla="*/ 4983687 h 5596515"/>
+              <a:gd name="connsiteX4" fmla="*/ 2640250 w 3948890"/>
+              <a:gd name="connsiteY4" fmla="*/ 4951840 h 5596515"/>
+              <a:gd name="connsiteX5" fmla="*/ 3244343 w 3948890"/>
+              <a:gd name="connsiteY5" fmla="*/ 4399528 h 5596515"/>
+              <a:gd name="connsiteX6" fmla="*/ 1160734 w 3948890"/>
+              <a:gd name="connsiteY6" fmla="*/ 202528 h 5596515"/>
+              <a:gd name="connsiteX7" fmla="*/ 1900492 w 3948890"/>
+              <a:gd name="connsiteY7" fmla="*/ 0 h 5596515"/>
+              <a:gd name="connsiteX8" fmla="*/ 3800984 w 3948890"/>
+              <a:gd name="connsiteY8" fmla="*/ 2577184 h 5596515"/>
+              <a:gd name="connsiteX9" fmla="*/ 3367004 w 3948890"/>
+              <a:gd name="connsiteY9" fmla="*/ 4216512 h 5596515"/>
+              <a:gd name="connsiteX10" fmla="*/ 3350732 w 3948890"/>
+              <a:gd name="connsiteY10" fmla="*/ 4240792 h 5596515"/>
+              <a:gd name="connsiteX11" fmla="*/ 3220862 w 3948890"/>
+              <a:gd name="connsiteY11" fmla="*/ 4085474 h 5596515"/>
+              <a:gd name="connsiteX12" fmla="*/ 3635043 w 3948890"/>
+              <a:gd name="connsiteY12" fmla="*/ 2703910 h 5596515"/>
+              <a:gd name="connsiteX13" fmla="*/ 3556114 w 3948890"/>
+              <a:gd name="connsiteY13" fmla="*/ 2557396 h 5596515"/>
+              <a:gd name="connsiteX14" fmla="*/ 3409599 w 3948890"/>
+              <a:gd name="connsiteY14" fmla="*/ 2636324 h 5596515"/>
+              <a:gd name="connsiteX15" fmla="*/ 3040002 w 3948890"/>
+              <a:gd name="connsiteY15" fmla="*/ 3869175 h 5596515"/>
+              <a:gd name="connsiteX16" fmla="*/ 2607310 w 3948890"/>
+              <a:gd name="connsiteY16" fmla="*/ 3351695 h 5596515"/>
+              <a:gd name="connsiteX17" fmla="*/ 2622433 w 3948890"/>
+              <a:gd name="connsiteY17" fmla="*/ 3326200 h 5596515"/>
+              <a:gd name="connsiteX18" fmla="*/ 2629020 w 3948890"/>
+              <a:gd name="connsiteY18" fmla="*/ 3279936 h 5596515"/>
+              <a:gd name="connsiteX19" fmla="*/ 2533094 w 3948890"/>
+              <a:gd name="connsiteY19" fmla="*/ 1622182 h 5596515"/>
+              <a:gd name="connsiteX20" fmla="*/ 2408815 w 3948890"/>
+              <a:gd name="connsiteY20" fmla="*/ 1511498 h 5596515"/>
+              <a:gd name="connsiteX21" fmla="*/ 2363620 w 3948890"/>
+              <a:gd name="connsiteY21" fmla="*/ 1523377 h 5596515"/>
+              <a:gd name="connsiteX22" fmla="*/ 2298132 w 3948890"/>
+              <a:gd name="connsiteY22" fmla="*/ 1635778 h 5596515"/>
+              <a:gd name="connsiteX23" fmla="*/ 2381819 w 3948890"/>
+              <a:gd name="connsiteY23" fmla="*/ 3082019 h 5596515"/>
+              <a:gd name="connsiteX24" fmla="*/ 2160941 w 3948890"/>
+              <a:gd name="connsiteY24" fmla="*/ 2817860 h 5596515"/>
+              <a:gd name="connsiteX25" fmla="*/ 2157228 w 3948890"/>
+              <a:gd name="connsiteY25" fmla="*/ 2805639 h 5596515"/>
+              <a:gd name="connsiteX26" fmla="*/ 1369693 w 3948890"/>
+              <a:gd name="connsiteY26" fmla="*/ 1343743 h 5596515"/>
+              <a:gd name="connsiteX27" fmla="*/ 1210280 w 3948890"/>
+              <a:gd name="connsiteY27" fmla="*/ 1295952 h 5596515"/>
+              <a:gd name="connsiteX28" fmla="*/ 1162490 w 3948890"/>
+              <a:gd name="connsiteY28" fmla="*/ 1455365 h 5596515"/>
+              <a:gd name="connsiteX29" fmla="*/ 1950025 w 3948890"/>
+              <a:gd name="connsiteY29" fmla="*/ 2917260 h 5596515"/>
+              <a:gd name="connsiteX30" fmla="*/ 1958190 w 3948890"/>
+              <a:gd name="connsiteY30" fmla="*/ 2927086 h 5596515"/>
+              <a:gd name="connsiteX31" fmla="*/ 2057269 w 3948890"/>
+              <a:gd name="connsiteY31" fmla="*/ 3256858 h 5596515"/>
+              <a:gd name="connsiteX32" fmla="*/ 895590 w 3948890"/>
+              <a:gd name="connsiteY32" fmla="*/ 2391340 h 5596515"/>
+              <a:gd name="connsiteX33" fmla="*/ 765699 w 3948890"/>
+              <a:gd name="connsiteY33" fmla="*/ 2384191 h 5596515"/>
+              <a:gd name="connsiteX34" fmla="*/ 730915 w 3948890"/>
+              <a:gd name="connsiteY34" fmla="*/ 2415398 h 5596515"/>
+              <a:gd name="connsiteX35" fmla="*/ 754973 w 3948890"/>
+              <a:gd name="connsiteY35" fmla="*/ 2580071 h 5596515"/>
+              <a:gd name="connsiteX36" fmla="*/ 2086548 w 3948890"/>
+              <a:gd name="connsiteY36" fmla="*/ 3572171 h 5596515"/>
+              <a:gd name="connsiteX37" fmla="*/ 2128805 w 3948890"/>
+              <a:gd name="connsiteY37" fmla="*/ 3592122 h 5596515"/>
+              <a:gd name="connsiteX38" fmla="*/ 2158416 w 3948890"/>
+              <a:gd name="connsiteY38" fmla="*/ 3593518 h 5596515"/>
+              <a:gd name="connsiteX39" fmla="*/ 2353430 w 3948890"/>
+              <a:gd name="connsiteY39" fmla="*/ 4242604 h 5596515"/>
+              <a:gd name="connsiteX40" fmla="*/ 1116327 w 3948890"/>
+              <a:gd name="connsiteY40" fmla="*/ 3871730 h 5596515"/>
+              <a:gd name="connsiteX41" fmla="*/ 969812 w 3948890"/>
+              <a:gd name="connsiteY41" fmla="*/ 3950659 h 5596515"/>
+              <a:gd name="connsiteX42" fmla="*/ 1048741 w 3948890"/>
+              <a:gd name="connsiteY42" fmla="*/ 4097173 h 5596515"/>
+              <a:gd name="connsiteX43" fmla="*/ 2434558 w 3948890"/>
+              <a:gd name="connsiteY43" fmla="*/ 4512629 h 5596515"/>
+              <a:gd name="connsiteX44" fmla="*/ 2576085 w 3948890"/>
+              <a:gd name="connsiteY44" fmla="*/ 4983687 h 5596515"/>
+              <a:gd name="connsiteX45" fmla="*/ 2465640 w 3948890"/>
+              <a:gd name="connsiteY45" fmla="*/ 5038503 h 5596515"/>
+              <a:gd name="connsiteX46" fmla="*/ 1900492 w 3948890"/>
+              <a:gd name="connsiteY46" fmla="*/ 5154368 h 5596515"/>
+              <a:gd name="connsiteX47" fmla="*/ 0 w 3948890"/>
+              <a:gd name="connsiteY47" fmla="*/ 2577184 h 5596515"/>
+              <a:gd name="connsiteX48" fmla="*/ 1160734 w 3948890"/>
+              <a:gd name="connsiteY48" fmla="*/ 202528 h 5596515"/>
+            </a:gdLst>
+            <a:ahLst/>
+            <a:cxnLst>
+              <a:cxn ang="0">
+                <a:pos x="connsiteX0" y="connsiteY0"/>
+              </a:cxn>
+              <a:cxn ang="0">
+                <a:pos x="connsiteX1" y="connsiteY1"/>
+              </a:cxn>
+              <a:cxn ang="0">
+                <a:pos x="connsiteX2" y="connsiteY2"/>
+              </a:cxn>
+              <a:cxn ang="0">
+                <a:pos x="connsiteX3" y="connsiteY3"/>
+              </a:cxn>
+              <a:cxn ang="0">
+                <a:pos x="connsiteX4" y="connsiteY4"/>
+              </a:cxn>
+              <a:cxn ang="0">
+                <a:pos x="connsiteX5" y="connsiteY5"/>
+              </a:cxn>
+              <a:cxn ang="0">
+                <a:pos x="connsiteX6" y="connsiteY6"/>
+              </a:cxn>
+              <a:cxn ang="0">
+                <a:pos x="connsiteX7" y="connsiteY7"/>
+              </a:cxn>
+              <a:cxn ang="0">
+                <a:pos x="connsiteX8" y="connsiteY8"/>
+              </a:cxn>
+              <a:cxn ang="0">
+                <a:pos x="connsiteX9" y="connsiteY9"/>
+              </a:cxn>
+              <a:cxn ang="0">
+                <a:pos x="connsiteX10" y="connsiteY10"/>
+              </a:cxn>
+              <a:cxn ang="0">
+                <a:pos x="connsiteX11" y="connsiteY11"/>
+              </a:cxn>
+              <a:cxn ang="0">
+                <a:pos x="connsiteX12" y="connsiteY12"/>
+              </a:cxn>
+              <a:cxn ang="0">
+                <a:pos x="connsiteX13" y="connsiteY13"/>
+              </a:cxn>
+              <a:cxn ang="0">
+                <a:pos x="connsiteX14" y="connsiteY14"/>
+              </a:cxn>
+              <a:cxn ang="0">
+                <a:pos x="connsiteX15" y="connsiteY15"/>
+              </a:cxn>
+              <a:cxn ang="0">
+                <a:pos x="connsiteX16" y="connsiteY16"/>
+              </a:cxn>
+              <a:cxn ang="0">
+                <a:pos x="connsiteX17" y="connsiteY17"/>
+              </a:cxn>
+              <a:cxn ang="0">
+                <a:pos x="connsiteX18" y="connsiteY18"/>
+              </a:cxn>
+              <a:cxn ang="0">
+                <a:pos x="connsiteX19" y="connsiteY19"/>
+              </a:cxn>
+              <a:cxn ang="0">
+                <a:pos x="connsiteX20" y="connsiteY20"/>
+              </a:cxn>
+              <a:cxn ang="0">
+                <a:pos x="connsiteX21" y="connsiteY21"/>
+              </a:cxn>
+              <a:cxn ang="0">
+                <a:pos x="connsiteX22" y="connsiteY22"/>
+              </a:cxn>
+              <a:cxn ang="0">
+                <a:pos x="connsiteX23" y="connsiteY23"/>
+              </a:cxn>
+              <a:cxn ang="0">
+                <a:pos x="connsiteX24" y="connsiteY24"/>
+              </a:cxn>
+              <a:cxn ang="0">
+                <a:pos x="connsiteX25" y="connsiteY25"/>
+              </a:cxn>
+              <a:cxn ang="0">
+                <a:pos x="connsiteX26" y="connsiteY26"/>
+              </a:cxn>
+              <a:cxn ang="0">
+                <a:pos x="connsiteX27" y="connsiteY27"/>
+              </a:cxn>
+              <a:cxn ang="0">
+                <a:pos x="connsiteX28" y="connsiteY28"/>
+              </a:cxn>
+              <a:cxn ang="0">
+                <a:pos x="connsiteX29" y="connsiteY29"/>
+              </a:cxn>
+              <a:cxn ang="0">
+                <a:pos x="connsiteX30" y="connsiteY30"/>
+              </a:cxn>
+              <a:cxn ang="0">
+                <a:pos x="connsiteX31" y="connsiteY31"/>
+              </a:cxn>
+              <a:cxn ang="0">
+                <a:pos x="connsiteX32" y="connsiteY32"/>
+              </a:cxn>
+              <a:cxn ang="0">
+                <a:pos x="connsiteX33" y="connsiteY33"/>
+              </a:cxn>
+              <a:cxn ang="0">
+                <a:pos x="connsiteX34" y="connsiteY34"/>
+              </a:cxn>
+              <a:cxn ang="0">
+                <a:pos x="connsiteX35" y="connsiteY35"/>
+              </a:cxn>
+              <a:cxn ang="0">
+                <a:pos x="connsiteX36" y="connsiteY36"/>
+              </a:cxn>
+              <a:cxn ang="0">
+                <a:pos x="connsiteX37" y="connsiteY37"/>
+              </a:cxn>
+              <a:cxn ang="0">
+                <a:pos x="connsiteX38" y="connsiteY38"/>
+              </a:cxn>
+              <a:cxn ang="0">
+                <a:pos x="connsiteX39" y="connsiteY39"/>
+              </a:cxn>
+              <a:cxn ang="0">
+                <a:pos x="connsiteX40" y="connsiteY40"/>
+              </a:cxn>
+              <a:cxn ang="0">
+                <a:pos x="connsiteX41" y="connsiteY41"/>
+              </a:cxn>
+              <a:cxn ang="0">
+                <a:pos x="connsiteX42" y="connsiteY42"/>
+              </a:cxn>
+              <a:cxn ang="0">
+                <a:pos x="connsiteX43" y="connsiteY43"/>
+              </a:cxn>
+              <a:cxn ang="0">
+                <a:pos x="connsiteX44" y="connsiteY44"/>
+              </a:cxn>
+              <a:cxn ang="0">
+                <a:pos x="connsiteX45" y="connsiteY45"/>
+              </a:cxn>
+              <a:cxn ang="0">
+                <a:pos x="connsiteX46" y="connsiteY46"/>
+              </a:cxn>
+              <a:cxn ang="0">
+                <a:pos x="connsiteX47" y="connsiteY47"/>
+              </a:cxn>
+              <a:cxn ang="0">
+                <a:pos x="connsiteX48" y="connsiteY48"/>
+              </a:cxn>
+            </a:cxnLst>
+            <a:rect l="l" t="t" r="r" b="b"/>
+            <a:pathLst>
+              <a:path w="3948890" h="5596515">
+                <a:moveTo>
+                  <a:pt x="3350732" y="4240792"/>
+                </a:moveTo>
+                <a:lnTo>
+                  <a:pt x="3948890" y="4956161"/>
+                </a:lnTo>
+                <a:lnTo>
+                  <a:pt x="2760207" y="5596515"/>
+                </a:lnTo>
+                <a:lnTo>
+                  <a:pt x="2576085" y="4983687"/>
+                </a:lnTo>
+                <a:lnTo>
+                  <a:pt x="2640250" y="4951840"/>
+                </a:lnTo>
+                <a:cubicBezTo>
+                  <a:pt x="2867621" y="4821427"/>
+                  <a:pt x="3072382" y="4632717"/>
+                  <a:pt x="3244343" y="4399528"/>
+                </a:cubicBezTo>
+                <a:close/>
+                <a:moveTo>
+                  <a:pt x="1160734" y="202528"/>
+                </a:moveTo>
+                <a:cubicBezTo>
+                  <a:pt x="1388106" y="72115"/>
+                  <a:pt x="1638089" y="0"/>
+                  <a:pt x="1900492" y="0"/>
+                </a:cubicBezTo>
+                <a:cubicBezTo>
+                  <a:pt x="2950105" y="0"/>
+                  <a:pt x="3800984" y="1153845"/>
+                  <a:pt x="3800984" y="2577184"/>
+                </a:cubicBezTo>
+                <a:cubicBezTo>
+                  <a:pt x="3800984" y="3199895"/>
+                  <a:pt x="3638121" y="3771023"/>
+                  <a:pt x="3367004" y="4216512"/>
+                </a:cubicBezTo>
+                <a:lnTo>
+                  <a:pt x="3350732" y="4240792"/>
+                </a:lnTo>
+                <a:lnTo>
+                  <a:pt x="3220862" y="4085474"/>
+                </a:lnTo>
+                <a:lnTo>
+                  <a:pt x="3635043" y="2703910"/>
+                </a:lnTo>
+                <a:cubicBezTo>
+                  <a:pt x="3653706" y="2641656"/>
+                  <a:pt x="3618368" y="2576059"/>
+                  <a:pt x="3556114" y="2557396"/>
+                </a:cubicBezTo>
+                <a:cubicBezTo>
+                  <a:pt x="3493860" y="2538732"/>
+                  <a:pt x="3428263" y="2574070"/>
+                  <a:pt x="3409599" y="2636324"/>
+                </a:cubicBezTo>
+                <a:lnTo>
+                  <a:pt x="3040002" y="3869175"/>
+                </a:lnTo>
+                <a:lnTo>
+                  <a:pt x="2607310" y="3351695"/>
+                </a:lnTo>
+                <a:lnTo>
+                  <a:pt x="2622433" y="3326200"/>
+                </a:lnTo>
+                <a:cubicBezTo>
+                  <a:pt x="2627565" y="3311801"/>
+                  <a:pt x="2629958" y="3296158"/>
+                  <a:pt x="2629020" y="3279936"/>
+                </a:cubicBezTo>
+                <a:cubicBezTo>
+                  <a:pt x="2597044" y="2727352"/>
+                  <a:pt x="2565070" y="2174767"/>
+                  <a:pt x="2533094" y="1622182"/>
+                </a:cubicBezTo>
+                <a:cubicBezTo>
+                  <a:pt x="2529340" y="1557299"/>
+                  <a:pt x="2473698" y="1507744"/>
+                  <a:pt x="2408815" y="1511498"/>
+                </a:cubicBezTo>
+                <a:cubicBezTo>
+                  <a:pt x="2392594" y="1512437"/>
+                  <a:pt x="2377332" y="1516619"/>
+                  <a:pt x="2363620" y="1523377"/>
+                </a:cubicBezTo>
+                <a:cubicBezTo>
+                  <a:pt x="2322486" y="1543652"/>
+                  <a:pt x="2295316" y="1587115"/>
+                  <a:pt x="2298132" y="1635778"/>
+                </a:cubicBezTo>
+                <a:lnTo>
+                  <a:pt x="2381819" y="3082019"/>
+                </a:lnTo>
+                <a:lnTo>
+                  <a:pt x="2160941" y="2817860"/>
+                </a:lnTo>
+                <a:lnTo>
+                  <a:pt x="2157228" y="2805639"/>
+                </a:lnTo>
+                <a:cubicBezTo>
+                  <a:pt x="1894716" y="2318341"/>
+                  <a:pt x="1632204" y="1831041"/>
+                  <a:pt x="1369693" y="1343743"/>
+                </a:cubicBezTo>
+                <a:cubicBezTo>
+                  <a:pt x="1338869" y="1286525"/>
+                  <a:pt x="1267498" y="1265129"/>
+                  <a:pt x="1210280" y="1295952"/>
+                </a:cubicBezTo>
+                <a:cubicBezTo>
+                  <a:pt x="1153062" y="1326776"/>
+                  <a:pt x="1131666" y="1398147"/>
+                  <a:pt x="1162490" y="1455365"/>
+                </a:cubicBezTo>
+                <a:lnTo>
+                  <a:pt x="1950025" y="2917260"/>
+                </a:lnTo>
+                <a:lnTo>
+                  <a:pt x="1958190" y="2927086"/>
+                </a:lnTo>
+                <a:lnTo>
+                  <a:pt x="2057269" y="3256858"/>
+                </a:lnTo>
+                <a:lnTo>
+                  <a:pt x="895590" y="2391340"/>
+                </a:lnTo>
+                <a:cubicBezTo>
+                  <a:pt x="856502" y="2362217"/>
+                  <a:pt x="805259" y="2360995"/>
+                  <a:pt x="765699" y="2384191"/>
+                </a:cubicBezTo>
+                <a:cubicBezTo>
+                  <a:pt x="752512" y="2391923"/>
+                  <a:pt x="740623" y="2402368"/>
+                  <a:pt x="730915" y="2415398"/>
+                </a:cubicBezTo>
+                <a:cubicBezTo>
+                  <a:pt x="692086" y="2467514"/>
+                  <a:pt x="702857" y="2541241"/>
+                  <a:pt x="754973" y="2580071"/>
+                </a:cubicBezTo>
+                <a:cubicBezTo>
+                  <a:pt x="1198831" y="2910771"/>
+                  <a:pt x="1642690" y="3241471"/>
+                  <a:pt x="2086548" y="3572171"/>
+                </a:cubicBezTo>
+                <a:cubicBezTo>
+                  <a:pt x="2099577" y="3581878"/>
+                  <a:pt x="2113957" y="3588486"/>
+                  <a:pt x="2128805" y="3592122"/>
+                </a:cubicBezTo>
+                <a:lnTo>
+                  <a:pt x="2158416" y="3593518"/>
+                </a:lnTo>
+                <a:lnTo>
+                  <a:pt x="2353430" y="4242604"/>
+                </a:lnTo>
+                <a:lnTo>
+                  <a:pt x="1116327" y="3871730"/>
+                </a:lnTo>
+                <a:cubicBezTo>
+                  <a:pt x="1054073" y="3853067"/>
+                  <a:pt x="988475" y="3888405"/>
+                  <a:pt x="969812" y="3950659"/>
+                </a:cubicBezTo>
+                <a:cubicBezTo>
+                  <a:pt x="951149" y="4012913"/>
+                  <a:pt x="986487" y="4078510"/>
+                  <a:pt x="1048741" y="4097173"/>
+                </a:cubicBezTo>
+                <a:lnTo>
+                  <a:pt x="2434558" y="4512629"/>
+                </a:lnTo>
+                <a:lnTo>
+                  <a:pt x="2576085" y="4983687"/>
+                </a:lnTo>
+                <a:lnTo>
+                  <a:pt x="2465640" y="5038503"/>
+                </a:lnTo>
+                <a:cubicBezTo>
+                  <a:pt x="2287110" y="5113803"/>
+                  <a:pt x="2097295" y="5154368"/>
+                  <a:pt x="1900492" y="5154368"/>
+                </a:cubicBezTo>
+                <a:cubicBezTo>
+                  <a:pt x="850879" y="5154368"/>
+                  <a:pt x="0" y="4000523"/>
+                  <a:pt x="0" y="2577184"/>
+                </a:cubicBezTo>
+                <a:cubicBezTo>
+                  <a:pt x="0" y="1509680"/>
+                  <a:pt x="478619" y="593766"/>
+                  <a:pt x="1160734" y="202528"/>
+                </a:cubicBezTo>
+                <a:close/>
+              </a:path>
+            </a:pathLst>
+          </a:custGeom>
+          <a:solidFill>
+            <a:srgbClr val="66FF33"/>
+          </a:solidFill>
+          <a:ln w="76200">
+            <a:solidFill>
+              <a:srgbClr val="FF0000"/>
+            </a:solidFill>
+          </a:ln>
+        </p:spPr>
+        <p:style>
+          <a:lnRef idx="2">
+            <a:schemeClr val="accent1">
+              <a:shade val="50000"/>
+            </a:schemeClr>
+          </a:lnRef>
+          <a:fillRef idx="1">
+            <a:schemeClr val="accent1"/>
+          </a:fillRef>
+          <a:effectRef idx="0">
+            <a:schemeClr val="accent1"/>
+          </a:effectRef>
+          <a:fontRef idx="minor">
+            <a:schemeClr val="lt1"/>
+          </a:fontRef>
+        </p:style>
+        <p:txBody>
+          <a:bodyPr wrap="square" rtlCol="0" anchor="ctr">
+            <a:noAutofit/>
+          </a:bodyPr>
+          <a:lstStyle/>
+          <a:p>
+            <a:pPr algn="ctr"/>
+            <a:endParaRPr lang="zh-CN" altLang="en-US" dirty="0">
+              <a:solidFill>
+                <a:srgbClr val="FF0000"/>
+              </a:solidFill>
+            </a:endParaRPr>
+          </a:p>
+        </p:txBody>
+      </p:sp>
+      <p:sp>
+        <p:nvSpPr>
+          <p:cNvPr id="19" name="矩形: 圆角 18">
+            <a:extLst>
+              <a:ext uri="{FF2B5EF4-FFF2-40B4-BE49-F238E27FC236}">
+                <a16:creationId xmlns:a16="http://schemas.microsoft.com/office/drawing/2014/main" id="{B2465E70-8235-074D-C654-E79C59460B76}"/>
+              </a:ext>
+            </a:extLst>
+          </p:cNvPr>
+          <p:cNvSpPr/>
+          <p:nvPr/>
+        </p:nvSpPr>
+        <p:spPr>
+          <a:xfrm>
+            <a:off x="980231" y="4182149"/>
+            <a:ext cx="235355" cy="1895883"/>
+          </a:xfrm>
+          <a:prstGeom prst="roundRect">
+            <a:avLst>
+              <a:gd name="adj" fmla="val 50000"/>
+            </a:avLst>
+          </a:prstGeom>
+          <a:solidFill>
+            <a:srgbClr val="38BB03"/>
+          </a:solidFill>
+          <a:ln>
+            <a:solidFill>
+              <a:srgbClr val="38BB03"/>
+            </a:solidFill>
+          </a:ln>
+        </p:spPr>
+        <p:style>
+          <a:lnRef idx="2">
+            <a:schemeClr val="accent1">
+              <a:shade val="50000"/>
+            </a:schemeClr>
+          </a:lnRef>
+          <a:fillRef idx="1">
+            <a:schemeClr val="accent1"/>
+          </a:fillRef>
+          <a:effectRef idx="0">
+            <a:schemeClr val="accent1"/>
+          </a:effectRef>
+          <a:fontRef idx="minor">
+            <a:schemeClr val="lt1"/>
+          </a:fontRef>
+        </p:style>
+        <p:txBody>
+          <a:bodyPr rtlCol="0" anchor="ctr"/>
+          <a:lstStyle>
+            <a:defPPr>
+              <a:defRPr lang="zh-CN"/>
+            </a:defPPr>
+            <a:lvl1pPr marL="0" algn="l" defTabSz="914400" rtl="0" eaLnBrk="1" latinLnBrk="0" hangingPunct="1">
+              <a:defRPr sz="1800" kern="1200">
+                <a:solidFill>
+                  <a:schemeClr val="lt1"/>
+                </a:solidFill>
+                <a:latin typeface="+mn-lt"/>
+                <a:ea typeface="+mn-ea"/>
+                <a:cs typeface="+mn-cs"/>
+              </a:defRPr>
+            </a:lvl1pPr>
+            <a:lvl2pPr marL="457200" algn="l" defTabSz="914400" rtl="0" eaLnBrk="1" latinLnBrk="0" hangingPunct="1">
+              <a:defRPr sz="1800" kern="1200">
+                <a:solidFill>
+                  <a:schemeClr val="lt1"/>
+                </a:solidFill>
+                <a:latin typeface="+mn-lt"/>
+                <a:ea typeface="+mn-ea"/>
+                <a:cs typeface="+mn-cs"/>
+              </a:defRPr>
+            </a:lvl2pPr>
+            <a:lvl3pPr marL="914400" algn="l" defTabSz="914400" rtl="0" eaLnBrk="1" latinLnBrk="0" hangingPunct="1">
+              <a:defRPr sz="1800" kern="1200">
+                <a:solidFill>
+                  <a:schemeClr val="lt1"/>
+                </a:solidFill>
+                <a:latin typeface="+mn-lt"/>
+                <a:ea typeface="+mn-ea"/>
+                <a:cs typeface="+mn-cs"/>
+              </a:defRPr>
+            </a:lvl3pPr>
+            <a:lvl4pPr marL="1371600" algn="l" defTabSz="914400" rtl="0" eaLnBrk="1" latinLnBrk="0" hangingPunct="1">
+              <a:defRPr sz="1800" kern="1200">
+                <a:solidFill>
+                  <a:schemeClr val="lt1"/>
+                </a:solidFill>
+                <a:latin typeface="+mn-lt"/>
+                <a:ea typeface="+mn-ea"/>
+                <a:cs typeface="+mn-cs"/>
+              </a:defRPr>
+            </a:lvl4pPr>
+            <a:lvl5pPr marL="1828800" algn="l" defTabSz="914400" rtl="0" eaLnBrk="1" latinLnBrk="0" hangingPunct="1">
+              <a:defRPr sz="1800" kern="1200">
+                <a:solidFill>
+                  <a:schemeClr val="lt1"/>
+                </a:solidFill>
+                <a:latin typeface="+mn-lt"/>
+                <a:ea typeface="+mn-ea"/>
+                <a:cs typeface="+mn-cs"/>
+              </a:defRPr>
+            </a:lvl5pPr>
+            <a:lvl6pPr marL="2286000" algn="l" defTabSz="914400" rtl="0" eaLnBrk="1" latinLnBrk="0" hangingPunct="1">
+              <a:defRPr sz="1800" kern="1200">
+                <a:solidFill>
+                  <a:schemeClr val="lt1"/>
+                </a:solidFill>
+                <a:latin typeface="+mn-lt"/>
+                <a:ea typeface="+mn-ea"/>
+                <a:cs typeface="+mn-cs"/>
+              </a:defRPr>
+            </a:lvl6pPr>
+            <a:lvl7pPr marL="2743200" algn="l" defTabSz="914400" rtl="0" eaLnBrk="1" latinLnBrk="0" hangingPunct="1">
+              <a:defRPr sz="1800" kern="1200">
+                <a:solidFill>
+                  <a:schemeClr val="lt1"/>
+                </a:solidFill>
+                <a:latin typeface="+mn-lt"/>
+                <a:ea typeface="+mn-ea"/>
+                <a:cs typeface="+mn-cs"/>
+              </a:defRPr>
+            </a:lvl7pPr>
+            <a:lvl8pPr marL="3200400" algn="l" defTabSz="914400" rtl="0" eaLnBrk="1" latinLnBrk="0" hangingPunct="1">
+              <a:defRPr sz="1800" kern="1200">
+                <a:solidFill>
+                  <a:schemeClr val="lt1"/>
+                </a:solidFill>
+                <a:latin typeface="+mn-lt"/>
+                <a:ea typeface="+mn-ea"/>
+                <a:cs typeface="+mn-cs"/>
+              </a:defRPr>
+            </a:lvl8pPr>
+            <a:lvl9pPr marL="3657600" algn="l" defTabSz="914400" rtl="0" eaLnBrk="1" latinLnBrk="0" hangingPunct="1">
+              <a:defRPr sz="1800" kern="1200">
+                <a:solidFill>
+                  <a:schemeClr val="lt1"/>
+                </a:solidFill>
+                <a:latin typeface="+mn-lt"/>
+                <a:ea typeface="+mn-ea"/>
+                <a:cs typeface="+mn-cs"/>
+              </a:defRPr>
+            </a:lvl9pPr>
+          </a:lstStyle>
+          <a:p>
+            <a:pPr algn="ctr"/>
+            <a:endParaRPr lang="zh-CN" altLang="en-US"/>
+          </a:p>
+        </p:txBody>
+      </p:sp>
+    </p:spTree>
+    <p:extLst>
+      <p:ext uri="{BB962C8B-B14F-4D97-AF65-F5344CB8AC3E}">
+        <p14:creationId xmlns:p14="http://schemas.microsoft.com/office/powerpoint/2010/main" val="14758055"/>
+      </p:ext>
+    </p:extLst>
+  </p:cSld>
+  <p:clrMapOvr>
+    <a:masterClrMapping/>
+  </p:clrMapOvr>
+</p:sld>
+</file>
+
+<file path=ppt/slides/slide6.xml><?xml version="1.0" encoding="utf-8"?>
+<p:sld xmlns:a="http://schemas.openxmlformats.org/drawingml/2006/main" xmlns:r="http://schemas.openxmlformats.org/officeDocument/2006/relationships" xmlns:p="http://schemas.openxmlformats.org/presentationml/2006/main">
+  <p:cSld>
+    <p:spTree>
+      <p:nvGrpSpPr>
+        <p:cNvPr id="1" name=""/>
+        <p:cNvGrpSpPr/>
+        <p:nvPr/>
+      </p:nvGrpSpPr>
+      <p:grpSpPr>
+        <a:xfrm>
+          <a:off x="0" y="0"/>
+          <a:ext cx="0" cy="0"/>
+          <a:chOff x="0" y="0"/>
+          <a:chExt cx="0" cy="0"/>
+        </a:xfrm>
+      </p:grpSpPr>
+      <p:sp>
+        <p:nvSpPr>
+          <p:cNvPr id="13" name="任意多边形: 形状 12">
+            <a:extLst>
+              <a:ext uri="{FF2B5EF4-FFF2-40B4-BE49-F238E27FC236}">
+                <a16:creationId xmlns:a16="http://schemas.microsoft.com/office/drawing/2014/main" id="{610429BA-1E45-9C87-92B1-AB36BDF6A93B}"/>
+              </a:ext>
+            </a:extLst>
+          </p:cNvPr>
+          <p:cNvSpPr/>
+          <p:nvPr/>
+        </p:nvSpPr>
+        <p:spPr>
+          <a:xfrm rot="1698704">
+            <a:off x="4121555" y="489258"/>
+            <a:ext cx="3948890" cy="5596515"/>
+          </a:xfrm>
+          <a:custGeom>
+            <a:avLst/>
+            <a:gdLst>
+              <a:gd name="connsiteX0" fmla="*/ 3350732 w 3948890"/>
+              <a:gd name="connsiteY0" fmla="*/ 4240792 h 5596515"/>
+              <a:gd name="connsiteX1" fmla="*/ 3948890 w 3948890"/>
+              <a:gd name="connsiteY1" fmla="*/ 4956161 h 5596515"/>
+              <a:gd name="connsiteX2" fmla="*/ 2760207 w 3948890"/>
+              <a:gd name="connsiteY2" fmla="*/ 5596515 h 5596515"/>
+              <a:gd name="connsiteX3" fmla="*/ 2576085 w 3948890"/>
+              <a:gd name="connsiteY3" fmla="*/ 4983687 h 5596515"/>
+              <a:gd name="connsiteX4" fmla="*/ 2640250 w 3948890"/>
+              <a:gd name="connsiteY4" fmla="*/ 4951840 h 5596515"/>
+              <a:gd name="connsiteX5" fmla="*/ 3244343 w 3948890"/>
+              <a:gd name="connsiteY5" fmla="*/ 4399528 h 5596515"/>
+              <a:gd name="connsiteX6" fmla="*/ 1160734 w 3948890"/>
+              <a:gd name="connsiteY6" fmla="*/ 202528 h 5596515"/>
+              <a:gd name="connsiteX7" fmla="*/ 1900492 w 3948890"/>
+              <a:gd name="connsiteY7" fmla="*/ 0 h 5596515"/>
+              <a:gd name="connsiteX8" fmla="*/ 3800984 w 3948890"/>
+              <a:gd name="connsiteY8" fmla="*/ 2577184 h 5596515"/>
+              <a:gd name="connsiteX9" fmla="*/ 3367004 w 3948890"/>
+              <a:gd name="connsiteY9" fmla="*/ 4216512 h 5596515"/>
+              <a:gd name="connsiteX10" fmla="*/ 3350732 w 3948890"/>
+              <a:gd name="connsiteY10" fmla="*/ 4240792 h 5596515"/>
+              <a:gd name="connsiteX11" fmla="*/ 3220862 w 3948890"/>
+              <a:gd name="connsiteY11" fmla="*/ 4085474 h 5596515"/>
+              <a:gd name="connsiteX12" fmla="*/ 3635043 w 3948890"/>
+              <a:gd name="connsiteY12" fmla="*/ 2703910 h 5596515"/>
+              <a:gd name="connsiteX13" fmla="*/ 3556114 w 3948890"/>
+              <a:gd name="connsiteY13" fmla="*/ 2557396 h 5596515"/>
+              <a:gd name="connsiteX14" fmla="*/ 3409599 w 3948890"/>
+              <a:gd name="connsiteY14" fmla="*/ 2636324 h 5596515"/>
+              <a:gd name="connsiteX15" fmla="*/ 3040002 w 3948890"/>
+              <a:gd name="connsiteY15" fmla="*/ 3869175 h 5596515"/>
+              <a:gd name="connsiteX16" fmla="*/ 2607310 w 3948890"/>
+              <a:gd name="connsiteY16" fmla="*/ 3351695 h 5596515"/>
+              <a:gd name="connsiteX17" fmla="*/ 2622433 w 3948890"/>
+              <a:gd name="connsiteY17" fmla="*/ 3326200 h 5596515"/>
+              <a:gd name="connsiteX18" fmla="*/ 2629020 w 3948890"/>
+              <a:gd name="connsiteY18" fmla="*/ 3279936 h 5596515"/>
+              <a:gd name="connsiteX19" fmla="*/ 2533094 w 3948890"/>
+              <a:gd name="connsiteY19" fmla="*/ 1622182 h 5596515"/>
+              <a:gd name="connsiteX20" fmla="*/ 2408815 w 3948890"/>
+              <a:gd name="connsiteY20" fmla="*/ 1511498 h 5596515"/>
+              <a:gd name="connsiteX21" fmla="*/ 2363620 w 3948890"/>
+              <a:gd name="connsiteY21" fmla="*/ 1523377 h 5596515"/>
+              <a:gd name="connsiteX22" fmla="*/ 2298132 w 3948890"/>
+              <a:gd name="connsiteY22" fmla="*/ 1635778 h 5596515"/>
+              <a:gd name="connsiteX23" fmla="*/ 2381819 w 3948890"/>
+              <a:gd name="connsiteY23" fmla="*/ 3082019 h 5596515"/>
+              <a:gd name="connsiteX24" fmla="*/ 2160941 w 3948890"/>
+              <a:gd name="connsiteY24" fmla="*/ 2817860 h 5596515"/>
+              <a:gd name="connsiteX25" fmla="*/ 2157228 w 3948890"/>
+              <a:gd name="connsiteY25" fmla="*/ 2805639 h 5596515"/>
+              <a:gd name="connsiteX26" fmla="*/ 1369693 w 3948890"/>
+              <a:gd name="connsiteY26" fmla="*/ 1343743 h 5596515"/>
+              <a:gd name="connsiteX27" fmla="*/ 1210280 w 3948890"/>
+              <a:gd name="connsiteY27" fmla="*/ 1295952 h 5596515"/>
+              <a:gd name="connsiteX28" fmla="*/ 1162490 w 3948890"/>
+              <a:gd name="connsiteY28" fmla="*/ 1455365 h 5596515"/>
+              <a:gd name="connsiteX29" fmla="*/ 1950025 w 3948890"/>
+              <a:gd name="connsiteY29" fmla="*/ 2917260 h 5596515"/>
+              <a:gd name="connsiteX30" fmla="*/ 1958190 w 3948890"/>
+              <a:gd name="connsiteY30" fmla="*/ 2927086 h 5596515"/>
+              <a:gd name="connsiteX31" fmla="*/ 2057269 w 3948890"/>
+              <a:gd name="connsiteY31" fmla="*/ 3256858 h 5596515"/>
+              <a:gd name="connsiteX32" fmla="*/ 895590 w 3948890"/>
+              <a:gd name="connsiteY32" fmla="*/ 2391340 h 5596515"/>
+              <a:gd name="connsiteX33" fmla="*/ 765699 w 3948890"/>
+              <a:gd name="connsiteY33" fmla="*/ 2384191 h 5596515"/>
+              <a:gd name="connsiteX34" fmla="*/ 730915 w 3948890"/>
+              <a:gd name="connsiteY34" fmla="*/ 2415398 h 5596515"/>
+              <a:gd name="connsiteX35" fmla="*/ 754973 w 3948890"/>
+              <a:gd name="connsiteY35" fmla="*/ 2580071 h 5596515"/>
+              <a:gd name="connsiteX36" fmla="*/ 2086548 w 3948890"/>
+              <a:gd name="connsiteY36" fmla="*/ 3572171 h 5596515"/>
+              <a:gd name="connsiteX37" fmla="*/ 2128805 w 3948890"/>
+              <a:gd name="connsiteY37" fmla="*/ 3592122 h 5596515"/>
+              <a:gd name="connsiteX38" fmla="*/ 2158416 w 3948890"/>
+              <a:gd name="connsiteY38" fmla="*/ 3593518 h 5596515"/>
+              <a:gd name="connsiteX39" fmla="*/ 2353430 w 3948890"/>
+              <a:gd name="connsiteY39" fmla="*/ 4242604 h 5596515"/>
+              <a:gd name="connsiteX40" fmla="*/ 1116327 w 3948890"/>
+              <a:gd name="connsiteY40" fmla="*/ 3871730 h 5596515"/>
+              <a:gd name="connsiteX41" fmla="*/ 969812 w 3948890"/>
+              <a:gd name="connsiteY41" fmla="*/ 3950659 h 5596515"/>
+              <a:gd name="connsiteX42" fmla="*/ 1048741 w 3948890"/>
+              <a:gd name="connsiteY42" fmla="*/ 4097173 h 5596515"/>
+              <a:gd name="connsiteX43" fmla="*/ 2434558 w 3948890"/>
+              <a:gd name="connsiteY43" fmla="*/ 4512629 h 5596515"/>
+              <a:gd name="connsiteX44" fmla="*/ 2576085 w 3948890"/>
+              <a:gd name="connsiteY44" fmla="*/ 4983687 h 5596515"/>
+              <a:gd name="connsiteX45" fmla="*/ 2465640 w 3948890"/>
+              <a:gd name="connsiteY45" fmla="*/ 5038503 h 5596515"/>
+              <a:gd name="connsiteX46" fmla="*/ 1900492 w 3948890"/>
+              <a:gd name="connsiteY46" fmla="*/ 5154368 h 5596515"/>
+              <a:gd name="connsiteX47" fmla="*/ 0 w 3948890"/>
+              <a:gd name="connsiteY47" fmla="*/ 2577184 h 5596515"/>
+              <a:gd name="connsiteX48" fmla="*/ 1160734 w 3948890"/>
+              <a:gd name="connsiteY48" fmla="*/ 202528 h 5596515"/>
+            </a:gdLst>
+            <a:ahLst/>
+            <a:cxnLst>
+              <a:cxn ang="0">
+                <a:pos x="connsiteX0" y="connsiteY0"/>
+              </a:cxn>
+              <a:cxn ang="0">
+                <a:pos x="connsiteX1" y="connsiteY1"/>
+              </a:cxn>
+              <a:cxn ang="0">
+                <a:pos x="connsiteX2" y="connsiteY2"/>
+              </a:cxn>
+              <a:cxn ang="0">
+                <a:pos x="connsiteX3" y="connsiteY3"/>
+              </a:cxn>
+              <a:cxn ang="0">
+                <a:pos x="connsiteX4" y="connsiteY4"/>
+              </a:cxn>
+              <a:cxn ang="0">
+                <a:pos x="connsiteX5" y="connsiteY5"/>
+              </a:cxn>
+              <a:cxn ang="0">
+                <a:pos x="connsiteX6" y="connsiteY6"/>
+              </a:cxn>
+              <a:cxn ang="0">
+                <a:pos x="connsiteX7" y="connsiteY7"/>
+              </a:cxn>
+              <a:cxn ang="0">
+                <a:pos x="connsiteX8" y="connsiteY8"/>
+              </a:cxn>
+              <a:cxn ang="0">
+                <a:pos x="connsiteX9" y="connsiteY9"/>
+              </a:cxn>
+              <a:cxn ang="0">
+                <a:pos x="connsiteX10" y="connsiteY10"/>
+              </a:cxn>
+              <a:cxn ang="0">
+                <a:pos x="connsiteX11" y="connsiteY11"/>
+              </a:cxn>
+              <a:cxn ang="0">
+                <a:pos x="connsiteX12" y="connsiteY12"/>
+              </a:cxn>
+              <a:cxn ang="0">
+                <a:pos x="connsiteX13" y="connsiteY13"/>
+              </a:cxn>
+              <a:cxn ang="0">
+                <a:pos x="connsiteX14" y="connsiteY14"/>
+              </a:cxn>
+              <a:cxn ang="0">
+                <a:pos x="connsiteX15" y="connsiteY15"/>
+              </a:cxn>
+              <a:cxn ang="0">
+                <a:pos x="connsiteX16" y="connsiteY16"/>
+              </a:cxn>
+              <a:cxn ang="0">
+                <a:pos x="connsiteX17" y="connsiteY17"/>
+              </a:cxn>
+              <a:cxn ang="0">
+                <a:pos x="connsiteX18" y="connsiteY18"/>
+              </a:cxn>
+              <a:cxn ang="0">
+                <a:pos x="connsiteX19" y="connsiteY19"/>
+              </a:cxn>
+              <a:cxn ang="0">
+                <a:pos x="connsiteX20" y="connsiteY20"/>
+              </a:cxn>
+              <a:cxn ang="0">
+                <a:pos x="connsiteX21" y="connsiteY21"/>
+              </a:cxn>
+              <a:cxn ang="0">
+                <a:pos x="connsiteX22" y="connsiteY22"/>
+              </a:cxn>
+              <a:cxn ang="0">
+                <a:pos x="connsiteX23" y="connsiteY23"/>
+              </a:cxn>
+              <a:cxn ang="0">
+                <a:pos x="connsiteX24" y="connsiteY24"/>
+              </a:cxn>
+              <a:cxn ang="0">
+                <a:pos x="connsiteX25" y="connsiteY25"/>
+              </a:cxn>
+              <a:cxn ang="0">
+                <a:pos x="connsiteX26" y="connsiteY26"/>
+              </a:cxn>
+              <a:cxn ang="0">
+                <a:pos x="connsiteX27" y="connsiteY27"/>
+              </a:cxn>
+              <a:cxn ang="0">
+                <a:pos x="connsiteX28" y="connsiteY28"/>
+              </a:cxn>
+              <a:cxn ang="0">
+                <a:pos x="connsiteX29" y="connsiteY29"/>
+              </a:cxn>
+              <a:cxn ang="0">
+                <a:pos x="connsiteX30" y="connsiteY30"/>
+              </a:cxn>
+              <a:cxn ang="0">
+                <a:pos x="connsiteX31" y="connsiteY31"/>
+              </a:cxn>
+              <a:cxn ang="0">
+                <a:pos x="connsiteX32" y="connsiteY32"/>
+              </a:cxn>
+              <a:cxn ang="0">
+                <a:pos x="connsiteX33" y="connsiteY33"/>
+              </a:cxn>
+              <a:cxn ang="0">
+                <a:pos x="connsiteX34" y="connsiteY34"/>
+              </a:cxn>
+              <a:cxn ang="0">
+                <a:pos x="connsiteX35" y="connsiteY35"/>
+              </a:cxn>
+              <a:cxn ang="0">
+                <a:pos x="connsiteX36" y="connsiteY36"/>
+              </a:cxn>
+              <a:cxn ang="0">
+                <a:pos x="connsiteX37" y="connsiteY37"/>
+              </a:cxn>
+              <a:cxn ang="0">
+                <a:pos x="connsiteX38" y="connsiteY38"/>
+              </a:cxn>
+              <a:cxn ang="0">
+                <a:pos x="connsiteX39" y="connsiteY39"/>
+              </a:cxn>
+              <a:cxn ang="0">
+                <a:pos x="connsiteX40" y="connsiteY40"/>
+              </a:cxn>
+              <a:cxn ang="0">
+                <a:pos x="connsiteX41" y="connsiteY41"/>
+              </a:cxn>
+              <a:cxn ang="0">
+                <a:pos x="connsiteX42" y="connsiteY42"/>
+              </a:cxn>
+              <a:cxn ang="0">
+                <a:pos x="connsiteX43" y="connsiteY43"/>
+              </a:cxn>
+              <a:cxn ang="0">
+                <a:pos x="connsiteX44" y="connsiteY44"/>
+              </a:cxn>
+              <a:cxn ang="0">
+                <a:pos x="connsiteX45" y="connsiteY45"/>
+              </a:cxn>
+              <a:cxn ang="0">
+                <a:pos x="connsiteX46" y="connsiteY46"/>
+              </a:cxn>
+              <a:cxn ang="0">
+                <a:pos x="connsiteX47" y="connsiteY47"/>
+              </a:cxn>
+              <a:cxn ang="0">
+                <a:pos x="connsiteX48" y="connsiteY48"/>
+              </a:cxn>
+            </a:cxnLst>
+            <a:rect l="l" t="t" r="r" b="b"/>
+            <a:pathLst>
+              <a:path w="3948890" h="5596515">
+                <a:moveTo>
+                  <a:pt x="3350732" y="4240792"/>
+                </a:moveTo>
+                <a:lnTo>
+                  <a:pt x="3948890" y="4956161"/>
+                </a:lnTo>
+                <a:lnTo>
+                  <a:pt x="2760207" y="5596515"/>
+                </a:lnTo>
+                <a:lnTo>
+                  <a:pt x="2576085" y="4983687"/>
+                </a:lnTo>
+                <a:lnTo>
+                  <a:pt x="2640250" y="4951840"/>
+                </a:lnTo>
+                <a:cubicBezTo>
+                  <a:pt x="2867621" y="4821427"/>
+                  <a:pt x="3072382" y="4632717"/>
+                  <a:pt x="3244343" y="4399528"/>
+                </a:cubicBezTo>
+                <a:close/>
+                <a:moveTo>
+                  <a:pt x="1160734" y="202528"/>
+                </a:moveTo>
+                <a:cubicBezTo>
+                  <a:pt x="1388106" y="72115"/>
+                  <a:pt x="1638089" y="0"/>
+                  <a:pt x="1900492" y="0"/>
+                </a:cubicBezTo>
+                <a:cubicBezTo>
+                  <a:pt x="2950105" y="0"/>
+                  <a:pt x="3800984" y="1153845"/>
+                  <a:pt x="3800984" y="2577184"/>
+                </a:cubicBezTo>
+                <a:cubicBezTo>
+                  <a:pt x="3800984" y="3199895"/>
+                  <a:pt x="3638121" y="3771023"/>
+                  <a:pt x="3367004" y="4216512"/>
+                </a:cubicBezTo>
+                <a:lnTo>
+                  <a:pt x="3350732" y="4240792"/>
+                </a:lnTo>
+                <a:lnTo>
+                  <a:pt x="3220862" y="4085474"/>
+                </a:lnTo>
+                <a:lnTo>
+                  <a:pt x="3635043" y="2703910"/>
+                </a:lnTo>
+                <a:cubicBezTo>
+                  <a:pt x="3653706" y="2641656"/>
+                  <a:pt x="3618368" y="2576059"/>
+                  <a:pt x="3556114" y="2557396"/>
+                </a:cubicBezTo>
+                <a:cubicBezTo>
+                  <a:pt x="3493860" y="2538732"/>
+                  <a:pt x="3428263" y="2574070"/>
+                  <a:pt x="3409599" y="2636324"/>
+                </a:cubicBezTo>
+                <a:lnTo>
+                  <a:pt x="3040002" y="3869175"/>
+                </a:lnTo>
+                <a:lnTo>
+                  <a:pt x="2607310" y="3351695"/>
+                </a:lnTo>
+                <a:lnTo>
+                  <a:pt x="2622433" y="3326200"/>
+                </a:lnTo>
+                <a:cubicBezTo>
+                  <a:pt x="2627565" y="3311801"/>
+                  <a:pt x="2629958" y="3296158"/>
+                  <a:pt x="2629020" y="3279936"/>
+                </a:cubicBezTo>
+                <a:cubicBezTo>
+                  <a:pt x="2597044" y="2727352"/>
+                  <a:pt x="2565070" y="2174767"/>
+                  <a:pt x="2533094" y="1622182"/>
+                </a:cubicBezTo>
+                <a:cubicBezTo>
+                  <a:pt x="2529340" y="1557299"/>
+                  <a:pt x="2473698" y="1507744"/>
+                  <a:pt x="2408815" y="1511498"/>
+                </a:cubicBezTo>
+                <a:cubicBezTo>
+                  <a:pt x="2392594" y="1512437"/>
+                  <a:pt x="2377332" y="1516619"/>
+                  <a:pt x="2363620" y="1523377"/>
+                </a:cubicBezTo>
+                <a:cubicBezTo>
+                  <a:pt x="2322486" y="1543652"/>
+                  <a:pt x="2295316" y="1587115"/>
+                  <a:pt x="2298132" y="1635778"/>
+                </a:cubicBezTo>
+                <a:lnTo>
+                  <a:pt x="2381819" y="3082019"/>
+                </a:lnTo>
+                <a:lnTo>
+                  <a:pt x="2160941" y="2817860"/>
+                </a:lnTo>
+                <a:lnTo>
+                  <a:pt x="2157228" y="2805639"/>
+                </a:lnTo>
+                <a:cubicBezTo>
+                  <a:pt x="1894716" y="2318341"/>
+                  <a:pt x="1632204" y="1831041"/>
+                  <a:pt x="1369693" y="1343743"/>
+                </a:cubicBezTo>
+                <a:cubicBezTo>
+                  <a:pt x="1338869" y="1286525"/>
+                  <a:pt x="1267498" y="1265129"/>
+                  <a:pt x="1210280" y="1295952"/>
+                </a:cubicBezTo>
+                <a:cubicBezTo>
+                  <a:pt x="1153062" y="1326776"/>
+                  <a:pt x="1131666" y="1398147"/>
+                  <a:pt x="1162490" y="1455365"/>
+                </a:cubicBezTo>
+                <a:lnTo>
+                  <a:pt x="1950025" y="2917260"/>
+                </a:lnTo>
+                <a:lnTo>
+                  <a:pt x="1958190" y="2927086"/>
+                </a:lnTo>
+                <a:lnTo>
+                  <a:pt x="2057269" y="3256858"/>
+                </a:lnTo>
+                <a:lnTo>
+                  <a:pt x="895590" y="2391340"/>
+                </a:lnTo>
+                <a:cubicBezTo>
+                  <a:pt x="856502" y="2362217"/>
+                  <a:pt x="805259" y="2360995"/>
+                  <a:pt x="765699" y="2384191"/>
+                </a:cubicBezTo>
+                <a:cubicBezTo>
+                  <a:pt x="752512" y="2391923"/>
+                  <a:pt x="740623" y="2402368"/>
+                  <a:pt x="730915" y="2415398"/>
+                </a:cubicBezTo>
+                <a:cubicBezTo>
+                  <a:pt x="692086" y="2467514"/>
+                  <a:pt x="702857" y="2541241"/>
+                  <a:pt x="754973" y="2580071"/>
+                </a:cubicBezTo>
+                <a:cubicBezTo>
+                  <a:pt x="1198831" y="2910771"/>
+                  <a:pt x="1642690" y="3241471"/>
+                  <a:pt x="2086548" y="3572171"/>
+                </a:cubicBezTo>
+                <a:cubicBezTo>
+                  <a:pt x="2099577" y="3581878"/>
+                  <a:pt x="2113957" y="3588486"/>
+                  <a:pt x="2128805" y="3592122"/>
+                </a:cubicBezTo>
+                <a:lnTo>
+                  <a:pt x="2158416" y="3593518"/>
+                </a:lnTo>
+                <a:lnTo>
+                  <a:pt x="2353430" y="4242604"/>
+                </a:lnTo>
+                <a:lnTo>
+                  <a:pt x="1116327" y="3871730"/>
+                </a:lnTo>
+                <a:cubicBezTo>
+                  <a:pt x="1054073" y="3853067"/>
+                  <a:pt x="988475" y="3888405"/>
+                  <a:pt x="969812" y="3950659"/>
+                </a:cubicBezTo>
+                <a:cubicBezTo>
+                  <a:pt x="951149" y="4012913"/>
+                  <a:pt x="986487" y="4078510"/>
+                  <a:pt x="1048741" y="4097173"/>
+                </a:cubicBezTo>
+                <a:lnTo>
+                  <a:pt x="2434558" y="4512629"/>
+                </a:lnTo>
+                <a:lnTo>
+                  <a:pt x="2576085" y="4983687"/>
+                </a:lnTo>
+                <a:lnTo>
+                  <a:pt x="2465640" y="5038503"/>
+                </a:lnTo>
+                <a:cubicBezTo>
+                  <a:pt x="2287110" y="5113803"/>
+                  <a:pt x="2097295" y="5154368"/>
+                  <a:pt x="1900492" y="5154368"/>
+                </a:cubicBezTo>
+                <a:cubicBezTo>
+                  <a:pt x="850879" y="5154368"/>
+                  <a:pt x="0" y="4000523"/>
+                  <a:pt x="0" y="2577184"/>
+                </a:cubicBezTo>
+                <a:cubicBezTo>
+                  <a:pt x="0" y="1509680"/>
+                  <a:pt x="478619" y="593766"/>
+                  <a:pt x="1160734" y="202528"/>
+                </a:cubicBezTo>
+                <a:close/>
+              </a:path>
+            </a:pathLst>
+          </a:custGeom>
+          <a:solidFill>
+            <a:srgbClr val="38BB03"/>
+          </a:solidFill>
+          <a:ln w="76200">
+            <a:solidFill>
+              <a:schemeClr val="bg1"/>
+            </a:solidFill>
+          </a:ln>
+        </p:spPr>
+        <p:style>
+          <a:lnRef idx="2">
+            <a:schemeClr val="accent1">
+              <a:shade val="50000"/>
+            </a:schemeClr>
+          </a:lnRef>
+          <a:fillRef idx="1">
+            <a:schemeClr val="accent1"/>
+          </a:fillRef>
+          <a:effectRef idx="0">
+            <a:schemeClr val="accent1"/>
+          </a:effectRef>
+          <a:fontRef idx="minor">
+            <a:schemeClr val="lt1"/>
+          </a:fontRef>
+        </p:style>
+        <p:txBody>
+          <a:bodyPr wrap="square" rtlCol="0" anchor="ctr">
+            <a:noAutofit/>
+          </a:bodyPr>
+          <a:lstStyle/>
+          <a:p>
+            <a:pPr algn="ctr"/>
+            <a:endParaRPr lang="zh-CN" altLang="en-US" dirty="0">
+              <a:solidFill>
+                <a:srgbClr val="FF0000"/>
+              </a:solidFill>
+            </a:endParaRPr>
+          </a:p>
+        </p:txBody>
+      </p:sp>
+      <p:sp>
+        <p:nvSpPr>
+          <p:cNvPr id="19" name="矩形: 圆角 18">
+            <a:extLst>
+              <a:ext uri="{FF2B5EF4-FFF2-40B4-BE49-F238E27FC236}">
+                <a16:creationId xmlns:a16="http://schemas.microsoft.com/office/drawing/2014/main" id="{B2465E70-8235-074D-C654-E79C59460B76}"/>
+              </a:ext>
+            </a:extLst>
+          </p:cNvPr>
+          <p:cNvSpPr/>
+          <p:nvPr/>
+        </p:nvSpPr>
+        <p:spPr>
+          <a:xfrm>
+            <a:off x="980231" y="4182149"/>
+            <a:ext cx="235355" cy="1895883"/>
+          </a:xfrm>
+          <a:prstGeom prst="roundRect">
+            <a:avLst>
+              <a:gd name="adj" fmla="val 50000"/>
+            </a:avLst>
+          </a:prstGeom>
+          <a:solidFill>
+            <a:srgbClr val="38BB03"/>
+          </a:solidFill>
+          <a:ln>
+            <a:solidFill>
+              <a:srgbClr val="38BB03"/>
+            </a:solidFill>
+          </a:ln>
+        </p:spPr>
+        <p:style>
+          <a:lnRef idx="2">
+            <a:schemeClr val="accent1">
+              <a:shade val="50000"/>
+            </a:schemeClr>
+          </a:lnRef>
+          <a:fillRef idx="1">
+            <a:schemeClr val="accent1"/>
+          </a:fillRef>
+          <a:effectRef idx="0">
+            <a:schemeClr val="accent1"/>
+          </a:effectRef>
+          <a:fontRef idx="minor">
+            <a:schemeClr val="lt1"/>
+          </a:fontRef>
+        </p:style>
+        <p:txBody>
+          <a:bodyPr rtlCol="0" anchor="ctr"/>
+          <a:lstStyle>
+            <a:defPPr>
+              <a:defRPr lang="zh-CN"/>
+            </a:defPPr>
+            <a:lvl1pPr marL="0" algn="l" defTabSz="914400" rtl="0" eaLnBrk="1" latinLnBrk="0" hangingPunct="1">
+              <a:defRPr sz="1800" kern="1200">
+                <a:solidFill>
+                  <a:schemeClr val="lt1"/>
+                </a:solidFill>
+                <a:latin typeface="+mn-lt"/>
+                <a:ea typeface="+mn-ea"/>
+                <a:cs typeface="+mn-cs"/>
+              </a:defRPr>
+            </a:lvl1pPr>
+            <a:lvl2pPr marL="457200" algn="l" defTabSz="914400" rtl="0" eaLnBrk="1" latinLnBrk="0" hangingPunct="1">
+              <a:defRPr sz="1800" kern="1200">
+                <a:solidFill>
+                  <a:schemeClr val="lt1"/>
+                </a:solidFill>
+                <a:latin typeface="+mn-lt"/>
+                <a:ea typeface="+mn-ea"/>
+                <a:cs typeface="+mn-cs"/>
+              </a:defRPr>
+            </a:lvl2pPr>
+            <a:lvl3pPr marL="914400" algn="l" defTabSz="914400" rtl="0" eaLnBrk="1" latinLnBrk="0" hangingPunct="1">
+              <a:defRPr sz="1800" kern="1200">
+                <a:solidFill>
+                  <a:schemeClr val="lt1"/>
+                </a:solidFill>
+                <a:latin typeface="+mn-lt"/>
+                <a:ea typeface="+mn-ea"/>
+                <a:cs typeface="+mn-cs"/>
+              </a:defRPr>
+            </a:lvl3pPr>
+            <a:lvl4pPr marL="1371600" algn="l" defTabSz="914400" rtl="0" eaLnBrk="1" latinLnBrk="0" hangingPunct="1">
+              <a:defRPr sz="1800" kern="1200">
+                <a:solidFill>
+                  <a:schemeClr val="lt1"/>
+                </a:solidFill>
+                <a:latin typeface="+mn-lt"/>
+                <a:ea typeface="+mn-ea"/>
+                <a:cs typeface="+mn-cs"/>
+              </a:defRPr>
+            </a:lvl4pPr>
+            <a:lvl5pPr marL="1828800" algn="l" defTabSz="914400" rtl="0" eaLnBrk="1" latinLnBrk="0" hangingPunct="1">
+              <a:defRPr sz="1800" kern="1200">
+                <a:solidFill>
+                  <a:schemeClr val="lt1"/>
+                </a:solidFill>
+                <a:latin typeface="+mn-lt"/>
+                <a:ea typeface="+mn-ea"/>
+                <a:cs typeface="+mn-cs"/>
+              </a:defRPr>
+            </a:lvl5pPr>
+            <a:lvl6pPr marL="2286000" algn="l" defTabSz="914400" rtl="0" eaLnBrk="1" latinLnBrk="0" hangingPunct="1">
+              <a:defRPr sz="1800" kern="1200">
+                <a:solidFill>
+                  <a:schemeClr val="lt1"/>
+                </a:solidFill>
+                <a:latin typeface="+mn-lt"/>
+                <a:ea typeface="+mn-ea"/>
+                <a:cs typeface="+mn-cs"/>
+              </a:defRPr>
+            </a:lvl6pPr>
+            <a:lvl7pPr marL="2743200" algn="l" defTabSz="914400" rtl="0" eaLnBrk="1" latinLnBrk="0" hangingPunct="1">
+              <a:defRPr sz="1800" kern="1200">
+                <a:solidFill>
+                  <a:schemeClr val="lt1"/>
+                </a:solidFill>
+                <a:latin typeface="+mn-lt"/>
+                <a:ea typeface="+mn-ea"/>
+                <a:cs typeface="+mn-cs"/>
+              </a:defRPr>
+            </a:lvl7pPr>
+            <a:lvl8pPr marL="3200400" algn="l" defTabSz="914400" rtl="0" eaLnBrk="1" latinLnBrk="0" hangingPunct="1">
+              <a:defRPr sz="1800" kern="1200">
+                <a:solidFill>
+                  <a:schemeClr val="lt1"/>
+                </a:solidFill>
+                <a:latin typeface="+mn-lt"/>
+                <a:ea typeface="+mn-ea"/>
+                <a:cs typeface="+mn-cs"/>
+              </a:defRPr>
+            </a:lvl8pPr>
+            <a:lvl9pPr marL="3657600" algn="l" defTabSz="914400" rtl="0" eaLnBrk="1" latinLnBrk="0" hangingPunct="1">
+              <a:defRPr sz="1800" kern="1200">
+                <a:solidFill>
+                  <a:schemeClr val="lt1"/>
+                </a:solidFill>
+                <a:latin typeface="+mn-lt"/>
+                <a:ea typeface="+mn-ea"/>
+                <a:cs typeface="+mn-cs"/>
+              </a:defRPr>
+            </a:lvl9pPr>
+          </a:lstStyle>
+          <a:p>
+            <a:pPr algn="ctr"/>
+            <a:endParaRPr lang="zh-CN" altLang="en-US"/>
+          </a:p>
+        </p:txBody>
+      </p:sp>
+    </p:spTree>
+    <p:extLst>
+      <p:ext uri="{BB962C8B-B14F-4D97-AF65-F5344CB8AC3E}">
+        <p14:creationId xmlns:p14="http://schemas.microsoft.com/office/powerpoint/2010/main" val="1551794880"/>
+      </p:ext>
+    </p:extLst>
+  </p:cSld>
+  <p:clrMapOvr>
+    <a:masterClrMapping/>
+  </p:clrMapOvr>
+</p:sld>
+</file>
+
+<file path=ppt/slides/slide7.xml><?xml version="1.0" encoding="utf-8"?>
+<p:sld xmlns:a="http://schemas.openxmlformats.org/drawingml/2006/main" xmlns:r="http://schemas.openxmlformats.org/officeDocument/2006/relationships" xmlns:p="http://schemas.openxmlformats.org/presentationml/2006/main">
+  <p:cSld>
+    <p:spTree>
+      <p:nvGrpSpPr>
+        <p:cNvPr id="1" name=""/>
+        <p:cNvGrpSpPr/>
+        <p:nvPr/>
+      </p:nvGrpSpPr>
+      <p:grpSpPr>
+        <a:xfrm>
+          <a:off x="0" y="0"/>
+          <a:ext cx="0" cy="0"/>
+          <a:chOff x="0" y="0"/>
+          <a:chExt cx="0" cy="0"/>
+        </a:xfrm>
+      </p:grpSpPr>
+      <p:sp>
+        <p:nvSpPr>
+          <p:cNvPr id="57" name="椭圆 56">
+            <a:extLst>
+              <a:ext uri="{FF2B5EF4-FFF2-40B4-BE49-F238E27FC236}">
+                <a16:creationId xmlns:a16="http://schemas.microsoft.com/office/drawing/2014/main" id="{AD79F9F9-DB92-F445-CC45-6B3B3C06226E}"/>
+              </a:ext>
+            </a:extLst>
+          </p:cNvPr>
+          <p:cNvSpPr/>
+          <p:nvPr/>
+        </p:nvSpPr>
+        <p:spPr>
+          <a:xfrm rot="1698704">
+            <a:off x="3963472" y="691410"/>
+            <a:ext cx="4431309" cy="6009128"/>
+          </a:xfrm>
+          <a:prstGeom prst="ellipse">
+            <a:avLst/>
+          </a:prstGeom>
+          <a:solidFill>
+            <a:srgbClr val="66FF33"/>
+          </a:solidFill>
+          <a:ln w="76200">
+            <a:solidFill>
+              <a:srgbClr val="FF0000"/>
+            </a:solidFill>
+          </a:ln>
+        </p:spPr>
+        <p:style>
+          <a:lnRef idx="2">
+            <a:schemeClr val="accent1">
+              <a:shade val="50000"/>
+            </a:schemeClr>
+          </a:lnRef>
+          <a:fillRef idx="1">
+            <a:schemeClr val="accent1"/>
+          </a:fillRef>
+          <a:effectRef idx="0">
+            <a:schemeClr val="accent1"/>
+          </a:effectRef>
+          <a:fontRef idx="minor">
+            <a:schemeClr val="lt1"/>
+          </a:fontRef>
+        </p:style>
+        <p:txBody>
+          <a:bodyPr rtlCol="0" anchor="ctr"/>
+          <a:lstStyle/>
+          <a:p>
+            <a:pPr algn="ctr"/>
+            <a:endParaRPr lang="zh-CN" altLang="en-US" dirty="0">
+              <a:solidFill>
+                <a:srgbClr val="FF0000"/>
+              </a:solidFill>
+            </a:endParaRPr>
+          </a:p>
+        </p:txBody>
+      </p:sp>
+      <p:sp>
+        <p:nvSpPr>
+          <p:cNvPr id="12" name="任意多边形: 形状 11">
+            <a:extLst>
+              <a:ext uri="{FF2B5EF4-FFF2-40B4-BE49-F238E27FC236}">
+                <a16:creationId xmlns:a16="http://schemas.microsoft.com/office/drawing/2014/main" id="{D732893F-94F2-03B0-1C50-2F46ADD9A832}"/>
+              </a:ext>
+            </a:extLst>
+          </p:cNvPr>
+          <p:cNvSpPr/>
+          <p:nvPr/>
+        </p:nvSpPr>
+        <p:spPr>
+          <a:xfrm>
+            <a:off x="4590786" y="1306932"/>
+            <a:ext cx="3006644" cy="4521212"/>
+          </a:xfrm>
+          <a:custGeom>
+            <a:avLst/>
+            <a:gdLst>
+              <a:gd name="connsiteX0" fmla="*/ 1505214 w 3006644"/>
+              <a:gd name="connsiteY0" fmla="*/ 0 h 4521212"/>
+              <a:gd name="connsiteX1" fmla="*/ 1622892 w 3006644"/>
+              <a:gd name="connsiteY1" fmla="*/ 117678 h 4521212"/>
+              <a:gd name="connsiteX2" fmla="*/ 1622891 w 3006644"/>
+              <a:gd name="connsiteY2" fmla="*/ 1778206 h 4521212"/>
+              <a:gd name="connsiteX3" fmla="*/ 1620364 w 3006644"/>
+              <a:gd name="connsiteY3" fmla="*/ 1790726 h 4521212"/>
+              <a:gd name="connsiteX4" fmla="*/ 1689538 w 3006644"/>
+              <a:gd name="connsiteY4" fmla="*/ 2128042 h 4521212"/>
+              <a:gd name="connsiteX5" fmla="*/ 2301768 w 3006644"/>
+              <a:gd name="connsiteY5" fmla="*/ 815110 h 4521212"/>
+              <a:gd name="connsiteX6" fmla="*/ 2412731 w 3006644"/>
+              <a:gd name="connsiteY6" fmla="*/ 747213 h 4521212"/>
+              <a:gd name="connsiteX7" fmla="*/ 2458154 w 3006644"/>
+              <a:gd name="connsiteY7" fmla="*/ 758190 h 4521212"/>
+              <a:gd name="connsiteX8" fmla="*/ 2515073 w 3006644"/>
+              <a:gd name="connsiteY8" fmla="*/ 914575 h 4521212"/>
+              <a:gd name="connsiteX9" fmla="*/ 1813303 w 3006644"/>
+              <a:gd name="connsiteY9" fmla="*/ 2419524 h 4521212"/>
+              <a:gd name="connsiteX10" fmla="*/ 1785563 w 3006644"/>
+              <a:gd name="connsiteY10" fmla="*/ 2457130 h 4521212"/>
+              <a:gd name="connsiteX11" fmla="*/ 1760156 w 3006644"/>
+              <a:gd name="connsiteY11" fmla="*/ 2472403 h 4521212"/>
+              <a:gd name="connsiteX12" fmla="*/ 1895666 w 3006644"/>
+              <a:gd name="connsiteY12" fmla="*/ 3133194 h 4521212"/>
+              <a:gd name="connsiteX13" fmla="*/ 2805755 w 3006644"/>
+              <a:gd name="connsiteY13" fmla="*/ 2223105 h 4521212"/>
+              <a:gd name="connsiteX14" fmla="*/ 2888966 w 3006644"/>
+              <a:gd name="connsiteY14" fmla="*/ 2188638 h 4521212"/>
+              <a:gd name="connsiteX15" fmla="*/ 2972177 w 3006644"/>
+              <a:gd name="connsiteY15" fmla="*/ 2223105 h 4521212"/>
+              <a:gd name="connsiteX16" fmla="*/ 2972177 w 3006644"/>
+              <a:gd name="connsiteY16" fmla="*/ 2389527 h 4521212"/>
+              <a:gd name="connsiteX17" fmla="*/ 1952307 w 3006644"/>
+              <a:gd name="connsiteY17" fmla="*/ 3409395 h 4521212"/>
+              <a:gd name="connsiteX18" fmla="*/ 2180310 w 3006644"/>
+              <a:gd name="connsiteY18" fmla="*/ 4521212 h 4521212"/>
+              <a:gd name="connsiteX19" fmla="*/ 830117 w 3006644"/>
+              <a:gd name="connsiteY19" fmla="*/ 4521212 h 4521212"/>
+              <a:gd name="connsiteX20" fmla="*/ 1057476 w 3006644"/>
+              <a:gd name="connsiteY20" fmla="*/ 3412535 h 4521212"/>
+              <a:gd name="connsiteX21" fmla="*/ 34467 w 3006644"/>
+              <a:gd name="connsiteY21" fmla="*/ 2389527 h 4521212"/>
+              <a:gd name="connsiteX22" fmla="*/ 34467 w 3006644"/>
+              <a:gd name="connsiteY22" fmla="*/ 2223105 h 4521212"/>
+              <a:gd name="connsiteX23" fmla="*/ 117678 w 3006644"/>
+              <a:gd name="connsiteY23" fmla="*/ 2188638 h 4521212"/>
+              <a:gd name="connsiteX24" fmla="*/ 200889 w 3006644"/>
+              <a:gd name="connsiteY24" fmla="*/ 2223105 h 4521212"/>
+              <a:gd name="connsiteX25" fmla="*/ 1114117 w 3006644"/>
+              <a:gd name="connsiteY25" fmla="*/ 3136334 h 4521212"/>
+              <a:gd name="connsiteX26" fmla="*/ 1250271 w 3006644"/>
+              <a:gd name="connsiteY26" fmla="*/ 2472403 h 4521212"/>
+              <a:gd name="connsiteX27" fmla="*/ 1224864 w 3006644"/>
+              <a:gd name="connsiteY27" fmla="*/ 2457130 h 4521212"/>
+              <a:gd name="connsiteX28" fmla="*/ 1197124 w 3006644"/>
+              <a:gd name="connsiteY28" fmla="*/ 2419524 h 4521212"/>
+              <a:gd name="connsiteX29" fmla="*/ 495354 w 3006644"/>
+              <a:gd name="connsiteY29" fmla="*/ 914575 h 4521212"/>
+              <a:gd name="connsiteX30" fmla="*/ 552273 w 3006644"/>
+              <a:gd name="connsiteY30" fmla="*/ 758190 h 4521212"/>
+              <a:gd name="connsiteX31" fmla="*/ 597696 w 3006644"/>
+              <a:gd name="connsiteY31" fmla="*/ 747213 h 4521212"/>
+              <a:gd name="connsiteX32" fmla="*/ 708659 w 3006644"/>
+              <a:gd name="connsiteY32" fmla="*/ 815110 h 4521212"/>
+              <a:gd name="connsiteX33" fmla="*/ 1320890 w 3006644"/>
+              <a:gd name="connsiteY33" fmla="*/ 2128043 h 4521212"/>
+              <a:gd name="connsiteX34" fmla="*/ 1390064 w 3006644"/>
+              <a:gd name="connsiteY34" fmla="*/ 1790728 h 4521212"/>
+              <a:gd name="connsiteX35" fmla="*/ 1387536 w 3006644"/>
+              <a:gd name="connsiteY35" fmla="*/ 1778205 h 4521212"/>
+              <a:gd name="connsiteX36" fmla="*/ 1387536 w 3006644"/>
+              <a:gd name="connsiteY36" fmla="*/ 117678 h 4521212"/>
+              <a:gd name="connsiteX37" fmla="*/ 1505214 w 3006644"/>
+              <a:gd name="connsiteY37" fmla="*/ 0 h 4521212"/>
+            </a:gdLst>
+            <a:ahLst/>
+            <a:cxnLst>
+              <a:cxn ang="0">
+                <a:pos x="connsiteX0" y="connsiteY0"/>
+              </a:cxn>
+              <a:cxn ang="0">
+                <a:pos x="connsiteX1" y="connsiteY1"/>
+              </a:cxn>
+              <a:cxn ang="0">
+                <a:pos x="connsiteX2" y="connsiteY2"/>
+              </a:cxn>
+              <a:cxn ang="0">
+                <a:pos x="connsiteX3" y="connsiteY3"/>
+              </a:cxn>
+              <a:cxn ang="0">
+                <a:pos x="connsiteX4" y="connsiteY4"/>
+              </a:cxn>
+              <a:cxn ang="0">
+                <a:pos x="connsiteX5" y="connsiteY5"/>
+              </a:cxn>
+              <a:cxn ang="0">
+                <a:pos x="connsiteX6" y="connsiteY6"/>
+              </a:cxn>
+              <a:cxn ang="0">
+                <a:pos x="connsiteX7" y="connsiteY7"/>
+              </a:cxn>
+              <a:cxn ang="0">
+                <a:pos x="connsiteX8" y="connsiteY8"/>
+              </a:cxn>
+              <a:cxn ang="0">
+                <a:pos x="connsiteX9" y="connsiteY9"/>
+              </a:cxn>
+              <a:cxn ang="0">
+                <a:pos x="connsiteX10" y="connsiteY10"/>
+              </a:cxn>
+              <a:cxn ang="0">
+                <a:pos x="connsiteX11" y="connsiteY11"/>
+              </a:cxn>
+              <a:cxn ang="0">
+                <a:pos x="connsiteX12" y="connsiteY12"/>
+              </a:cxn>
+              <a:cxn ang="0">
+                <a:pos x="connsiteX13" y="connsiteY13"/>
+              </a:cxn>
+              <a:cxn ang="0">
+                <a:pos x="connsiteX14" y="connsiteY14"/>
+              </a:cxn>
+              <a:cxn ang="0">
+                <a:pos x="connsiteX15" y="connsiteY15"/>
+              </a:cxn>
+              <a:cxn ang="0">
+                <a:pos x="connsiteX16" y="connsiteY16"/>
+              </a:cxn>
+              <a:cxn ang="0">
+                <a:pos x="connsiteX17" y="connsiteY17"/>
+              </a:cxn>
+              <a:cxn ang="0">
+                <a:pos x="connsiteX18" y="connsiteY18"/>
+              </a:cxn>
+              <a:cxn ang="0">
+                <a:pos x="connsiteX19" y="connsiteY19"/>
+              </a:cxn>
+              <a:cxn ang="0">
+                <a:pos x="connsiteX20" y="connsiteY20"/>
+              </a:cxn>
+              <a:cxn ang="0">
+                <a:pos x="connsiteX21" y="connsiteY21"/>
+              </a:cxn>
+              <a:cxn ang="0">
+                <a:pos x="connsiteX22" y="connsiteY22"/>
+              </a:cxn>
+              <a:cxn ang="0">
+                <a:pos x="connsiteX23" y="connsiteY23"/>
+              </a:cxn>
+              <a:cxn ang="0">
+                <a:pos x="connsiteX24" y="connsiteY24"/>
+              </a:cxn>
+              <a:cxn ang="0">
+                <a:pos x="connsiteX25" y="connsiteY25"/>
+              </a:cxn>
+              <a:cxn ang="0">
+                <a:pos x="connsiteX26" y="connsiteY26"/>
+              </a:cxn>
+              <a:cxn ang="0">
+                <a:pos x="connsiteX27" y="connsiteY27"/>
+              </a:cxn>
+              <a:cxn ang="0">
+                <a:pos x="connsiteX28" y="connsiteY28"/>
+              </a:cxn>
+              <a:cxn ang="0">
+                <a:pos x="connsiteX29" y="connsiteY29"/>
+              </a:cxn>
+              <a:cxn ang="0">
+                <a:pos x="connsiteX30" y="connsiteY30"/>
+              </a:cxn>
+              <a:cxn ang="0">
+                <a:pos x="connsiteX31" y="connsiteY31"/>
+              </a:cxn>
+              <a:cxn ang="0">
+                <a:pos x="connsiteX32" y="connsiteY32"/>
+              </a:cxn>
+              <a:cxn ang="0">
+                <a:pos x="connsiteX33" y="connsiteY33"/>
+              </a:cxn>
+              <a:cxn ang="0">
+                <a:pos x="connsiteX34" y="connsiteY34"/>
+              </a:cxn>
+              <a:cxn ang="0">
+                <a:pos x="connsiteX35" y="connsiteY35"/>
+              </a:cxn>
+              <a:cxn ang="0">
+                <a:pos x="connsiteX36" y="connsiteY36"/>
+              </a:cxn>
+              <a:cxn ang="0">
+                <a:pos x="connsiteX37" y="connsiteY37"/>
+              </a:cxn>
+            </a:cxnLst>
+            <a:rect l="l" t="t" r="r" b="b"/>
+            <a:pathLst>
+              <a:path w="3006644" h="4521212">
+                <a:moveTo>
+                  <a:pt x="1505214" y="0"/>
+                </a:moveTo>
+                <a:cubicBezTo>
+                  <a:pt x="1570206" y="0"/>
+                  <a:pt x="1622892" y="52686"/>
+                  <a:pt x="1622892" y="117678"/>
+                </a:cubicBezTo>
+                <a:cubicBezTo>
+                  <a:pt x="1622892" y="671187"/>
+                  <a:pt x="1622891" y="1224697"/>
+                  <a:pt x="1622891" y="1778206"/>
+                </a:cubicBezTo>
+                <a:lnTo>
+                  <a:pt x="1620364" y="1790726"/>
+                </a:lnTo>
+                <a:lnTo>
+                  <a:pt x="1689538" y="2128042"/>
+                </a:lnTo>
+                <a:lnTo>
+                  <a:pt x="2301768" y="815110"/>
+                </a:lnTo>
+                <a:cubicBezTo>
+                  <a:pt x="2322368" y="770933"/>
+                  <a:pt x="2366902" y="745554"/>
+                  <a:pt x="2412731" y="747213"/>
+                </a:cubicBezTo>
+                <a:cubicBezTo>
+                  <a:pt x="2428008" y="747766"/>
+                  <a:pt x="2443428" y="751323"/>
+                  <a:pt x="2458154" y="758190"/>
+                </a:cubicBezTo>
+                <a:cubicBezTo>
+                  <a:pt x="2517056" y="785657"/>
+                  <a:pt x="2542540" y="855673"/>
+                  <a:pt x="2515073" y="914575"/>
+                </a:cubicBezTo>
+                <a:cubicBezTo>
+                  <a:pt x="2281150" y="1416225"/>
+                  <a:pt x="2047226" y="1917875"/>
+                  <a:pt x="1813303" y="2419524"/>
+                </a:cubicBezTo>
+                <a:cubicBezTo>
+                  <a:pt x="1806436" y="2434250"/>
+                  <a:pt x="1796910" y="2446887"/>
+                  <a:pt x="1785563" y="2457130"/>
+                </a:cubicBezTo>
+                <a:lnTo>
+                  <a:pt x="1760156" y="2472403"/>
+                </a:lnTo>
+                <a:lnTo>
+                  <a:pt x="1895666" y="3133194"/>
+                </a:lnTo>
+                <a:lnTo>
+                  <a:pt x="2805755" y="2223105"/>
+                </a:lnTo>
+                <a:cubicBezTo>
+                  <a:pt x="2828733" y="2200127"/>
+                  <a:pt x="2858850" y="2188638"/>
+                  <a:pt x="2888966" y="2188638"/>
+                </a:cubicBezTo>
+                <a:cubicBezTo>
+                  <a:pt x="2919082" y="2188638"/>
+                  <a:pt x="2949199" y="2200127"/>
+                  <a:pt x="2972177" y="2223105"/>
+                </a:cubicBezTo>
+                <a:cubicBezTo>
+                  <a:pt x="3018133" y="2269061"/>
+                  <a:pt x="3018133" y="2343571"/>
+                  <a:pt x="2972177" y="2389527"/>
+                </a:cubicBezTo>
+                <a:lnTo>
+                  <a:pt x="1952307" y="3409395"/>
+                </a:lnTo>
+                <a:lnTo>
+                  <a:pt x="2180310" y="4521212"/>
+                </a:lnTo>
+                <a:lnTo>
+                  <a:pt x="830117" y="4521212"/>
+                </a:lnTo>
+                <a:lnTo>
+                  <a:pt x="1057476" y="3412535"/>
+                </a:lnTo>
+                <a:lnTo>
+                  <a:pt x="34467" y="2389527"/>
+                </a:lnTo>
+                <a:cubicBezTo>
+                  <a:pt x="-11489" y="2343571"/>
+                  <a:pt x="-11489" y="2269061"/>
+                  <a:pt x="34467" y="2223105"/>
+                </a:cubicBezTo>
+                <a:cubicBezTo>
+                  <a:pt x="57445" y="2200127"/>
+                  <a:pt x="87562" y="2188638"/>
+                  <a:pt x="117678" y="2188638"/>
+                </a:cubicBezTo>
+                <a:cubicBezTo>
+                  <a:pt x="147794" y="2188638"/>
+                  <a:pt x="177911" y="2200127"/>
+                  <a:pt x="200889" y="2223105"/>
+                </a:cubicBezTo>
+                <a:lnTo>
+                  <a:pt x="1114117" y="3136334"/>
+                </a:lnTo>
+                <a:lnTo>
+                  <a:pt x="1250271" y="2472403"/>
+                </a:lnTo>
+                <a:lnTo>
+                  <a:pt x="1224864" y="2457130"/>
+                </a:lnTo>
+                <a:cubicBezTo>
+                  <a:pt x="1213517" y="2446887"/>
+                  <a:pt x="1203991" y="2434250"/>
+                  <a:pt x="1197124" y="2419524"/>
+                </a:cubicBezTo>
+                <a:cubicBezTo>
+                  <a:pt x="963201" y="1917875"/>
+                  <a:pt x="729277" y="1416225"/>
+                  <a:pt x="495354" y="914575"/>
+                </a:cubicBezTo>
+                <a:cubicBezTo>
+                  <a:pt x="467887" y="855673"/>
+                  <a:pt x="493371" y="785657"/>
+                  <a:pt x="552273" y="758190"/>
+                </a:cubicBezTo>
+                <a:cubicBezTo>
+                  <a:pt x="566999" y="751323"/>
+                  <a:pt x="582419" y="747766"/>
+                  <a:pt x="597696" y="747213"/>
+                </a:cubicBezTo>
+                <a:cubicBezTo>
+                  <a:pt x="643525" y="745554"/>
+                  <a:pt x="688059" y="770933"/>
+                  <a:pt x="708659" y="815110"/>
+                </a:cubicBezTo>
+                <a:lnTo>
+                  <a:pt x="1320890" y="2128043"/>
+                </a:lnTo>
+                <a:lnTo>
+                  <a:pt x="1390064" y="1790728"/>
+                </a:lnTo>
+                <a:lnTo>
+                  <a:pt x="1387536" y="1778205"/>
+                </a:lnTo>
+                <a:lnTo>
+                  <a:pt x="1387536" y="117678"/>
+                </a:lnTo>
+                <a:cubicBezTo>
+                  <a:pt x="1387536" y="52686"/>
+                  <a:pt x="1440222" y="0"/>
+                  <a:pt x="1505214" y="0"/>
+                </a:cubicBezTo>
+                <a:close/>
+              </a:path>
+            </a:pathLst>
+          </a:custGeom>
+          <a:solidFill>
+            <a:srgbClr val="38BB03"/>
+          </a:solidFill>
+          <a:ln>
+            <a:solidFill>
+              <a:srgbClr val="38BB03"/>
+            </a:solidFill>
+          </a:ln>
+        </p:spPr>
+        <p:style>
+          <a:lnRef idx="2">
+            <a:schemeClr val="accent1">
+              <a:shade val="50000"/>
+            </a:schemeClr>
+          </a:lnRef>
+          <a:fillRef idx="1">
+            <a:schemeClr val="accent1"/>
+          </a:fillRef>
+          <a:effectRef idx="0">
+            <a:schemeClr val="accent1"/>
+          </a:effectRef>
+          <a:fontRef idx="minor">
+            <a:schemeClr val="lt1"/>
+          </a:fontRef>
+        </p:style>
+        <p:txBody>
+          <a:bodyPr wrap="square" rtlCol="0" anchor="ctr">
+            <a:noAutofit/>
+          </a:bodyPr>
+          <a:lstStyle/>
+          <a:p>
+            <a:pPr algn="ctr"/>
+            <a:endParaRPr lang="zh-CN" altLang="en-US"/>
+          </a:p>
+        </p:txBody>
+      </p:sp>
+      <p:sp>
+        <p:nvSpPr>
+          <p:cNvPr id="19" name="矩形: 圆角 18">
+            <a:extLst>
+              <a:ext uri="{FF2B5EF4-FFF2-40B4-BE49-F238E27FC236}">
+                <a16:creationId xmlns:a16="http://schemas.microsoft.com/office/drawing/2014/main" id="{B2465E70-8235-074D-C654-E79C59460B76}"/>
+              </a:ext>
+            </a:extLst>
+          </p:cNvPr>
+          <p:cNvSpPr/>
+          <p:nvPr/>
+        </p:nvSpPr>
+        <p:spPr>
+          <a:xfrm>
+            <a:off x="980231" y="4182149"/>
+            <a:ext cx="235355" cy="1895883"/>
+          </a:xfrm>
+          <a:prstGeom prst="roundRect">
+            <a:avLst>
+              <a:gd name="adj" fmla="val 50000"/>
+            </a:avLst>
+          </a:prstGeom>
+          <a:solidFill>
+            <a:srgbClr val="38BB03"/>
+          </a:solidFill>
+          <a:ln>
+            <a:solidFill>
+              <a:srgbClr val="38BB03"/>
+            </a:solidFill>
+          </a:ln>
+        </p:spPr>
+        <p:style>
+          <a:lnRef idx="2">
+            <a:schemeClr val="accent1">
+              <a:shade val="50000"/>
+            </a:schemeClr>
+          </a:lnRef>
+          <a:fillRef idx="1">
+            <a:schemeClr val="accent1"/>
+          </a:fillRef>
+          <a:effectRef idx="0">
+            <a:schemeClr val="accent1"/>
+          </a:effectRef>
+          <a:fontRef idx="minor">
+            <a:schemeClr val="lt1"/>
+          </a:fontRef>
+        </p:style>
+        <p:txBody>
+          <a:bodyPr rtlCol="0" anchor="ctr"/>
+          <a:lstStyle>
+            <a:defPPr>
+              <a:defRPr lang="zh-CN"/>
+            </a:defPPr>
+            <a:lvl1pPr marL="0" algn="l" defTabSz="914400" rtl="0" eaLnBrk="1" latinLnBrk="0" hangingPunct="1">
+              <a:defRPr sz="1800" kern="1200">
+                <a:solidFill>
+                  <a:schemeClr val="lt1"/>
+                </a:solidFill>
+                <a:latin typeface="+mn-lt"/>
+                <a:ea typeface="+mn-ea"/>
+                <a:cs typeface="+mn-cs"/>
+              </a:defRPr>
+            </a:lvl1pPr>
+            <a:lvl2pPr marL="457200" algn="l" defTabSz="914400" rtl="0" eaLnBrk="1" latinLnBrk="0" hangingPunct="1">
+              <a:defRPr sz="1800" kern="1200">
+                <a:solidFill>
+                  <a:schemeClr val="lt1"/>
+                </a:solidFill>
+                <a:latin typeface="+mn-lt"/>
+                <a:ea typeface="+mn-ea"/>
+                <a:cs typeface="+mn-cs"/>
+              </a:defRPr>
+            </a:lvl2pPr>
+            <a:lvl3pPr marL="914400" algn="l" defTabSz="914400" rtl="0" eaLnBrk="1" latinLnBrk="0" hangingPunct="1">
+              <a:defRPr sz="1800" kern="1200">
+                <a:solidFill>
+                  <a:schemeClr val="lt1"/>
+                </a:solidFill>
+                <a:latin typeface="+mn-lt"/>
+                <a:ea typeface="+mn-ea"/>
+                <a:cs typeface="+mn-cs"/>
+              </a:defRPr>
+            </a:lvl3pPr>
+            <a:lvl4pPr marL="1371600" algn="l" defTabSz="914400" rtl="0" eaLnBrk="1" latinLnBrk="0" hangingPunct="1">
+              <a:defRPr sz="1800" kern="1200">
+                <a:solidFill>
+                  <a:schemeClr val="lt1"/>
+                </a:solidFill>
+                <a:latin typeface="+mn-lt"/>
+                <a:ea typeface="+mn-ea"/>
+                <a:cs typeface="+mn-cs"/>
+              </a:defRPr>
+            </a:lvl4pPr>
+            <a:lvl5pPr marL="1828800" algn="l" defTabSz="914400" rtl="0" eaLnBrk="1" latinLnBrk="0" hangingPunct="1">
+              <a:defRPr sz="1800" kern="1200">
+                <a:solidFill>
+                  <a:schemeClr val="lt1"/>
+                </a:solidFill>
+                <a:latin typeface="+mn-lt"/>
+                <a:ea typeface="+mn-ea"/>
+                <a:cs typeface="+mn-cs"/>
+              </a:defRPr>
+            </a:lvl5pPr>
+            <a:lvl6pPr marL="2286000" algn="l" defTabSz="914400" rtl="0" eaLnBrk="1" latinLnBrk="0" hangingPunct="1">
+              <a:defRPr sz="1800" kern="1200">
+                <a:solidFill>
+                  <a:schemeClr val="lt1"/>
+                </a:solidFill>
+                <a:latin typeface="+mn-lt"/>
+                <a:ea typeface="+mn-ea"/>
+                <a:cs typeface="+mn-cs"/>
+              </a:defRPr>
+            </a:lvl6pPr>
+            <a:lvl7pPr marL="2743200" algn="l" defTabSz="914400" rtl="0" eaLnBrk="1" latinLnBrk="0" hangingPunct="1">
+              <a:defRPr sz="1800" kern="1200">
+                <a:solidFill>
+                  <a:schemeClr val="lt1"/>
+                </a:solidFill>
+                <a:latin typeface="+mn-lt"/>
+                <a:ea typeface="+mn-ea"/>
+                <a:cs typeface="+mn-cs"/>
+              </a:defRPr>
+            </a:lvl7pPr>
+            <a:lvl8pPr marL="3200400" algn="l" defTabSz="914400" rtl="0" eaLnBrk="1" latinLnBrk="0" hangingPunct="1">
+              <a:defRPr sz="1800" kern="1200">
+                <a:solidFill>
+                  <a:schemeClr val="lt1"/>
+                </a:solidFill>
+                <a:latin typeface="+mn-lt"/>
+                <a:ea typeface="+mn-ea"/>
+                <a:cs typeface="+mn-cs"/>
+              </a:defRPr>
+            </a:lvl8pPr>
+            <a:lvl9pPr marL="3657600" algn="l" defTabSz="914400" rtl="0" eaLnBrk="1" latinLnBrk="0" hangingPunct="1">
+              <a:defRPr sz="1800" kern="1200">
+                <a:solidFill>
+                  <a:schemeClr val="lt1"/>
+                </a:solidFill>
+                <a:latin typeface="+mn-lt"/>
+                <a:ea typeface="+mn-ea"/>
+                <a:cs typeface="+mn-cs"/>
+              </a:defRPr>
+            </a:lvl9pPr>
+          </a:lstStyle>
+          <a:p>
+            <a:pPr algn="ctr"/>
+            <a:endParaRPr lang="zh-CN" altLang="en-US"/>
+          </a:p>
+        </p:txBody>
+      </p:sp>
+      <p:sp>
+        <p:nvSpPr>
+          <p:cNvPr id="2" name="文本框 1">
+            <a:extLst>
+              <a:ext uri="{FF2B5EF4-FFF2-40B4-BE49-F238E27FC236}">
+                <a16:creationId xmlns:a16="http://schemas.microsoft.com/office/drawing/2014/main" id="{73B3B244-E7DD-3C45-C98D-DE6F280E5A25}"/>
+              </a:ext>
+            </a:extLst>
+          </p:cNvPr>
+          <p:cNvSpPr txBox="1"/>
+          <p:nvPr/>
+        </p:nvSpPr>
+        <p:spPr>
+          <a:xfrm>
+            <a:off x="1097908" y="683491"/>
+            <a:ext cx="1534394" cy="369332"/>
+          </a:xfrm>
+          <a:prstGeom prst="rect">
+            <a:avLst/>
+          </a:prstGeom>
+          <a:noFill/>
+        </p:spPr>
+        <p:txBody>
+          <a:bodyPr wrap="none" rtlCol="0">
+            <a:spAutoFit/>
+          </a:bodyPr>
+          <a:lstStyle/>
+          <a:p>
+            <a:r>
+              <a:rPr lang="en-US" altLang="zh-CN" dirty="0"/>
+              <a:t>Before merge</a:t>
+            </a:r>
+            <a:endParaRPr lang="zh-CN" altLang="en-US" dirty="0"/>
+          </a:p>
+        </p:txBody>
+      </p:sp>
+    </p:spTree>
+    <p:extLst>
+      <p:ext uri="{BB962C8B-B14F-4D97-AF65-F5344CB8AC3E}">
+        <p14:creationId xmlns:p14="http://schemas.microsoft.com/office/powerpoint/2010/main" val="100472970"/>
+      </p:ext>
+    </p:extLst>
+  </p:cSld>
+  <p:clrMapOvr>
+    <a:masterClrMapping/>
+  </p:clrMapOvr>
+</p:sld>
+</file>
+
+<file path=ppt/slides/slide8.xml><?xml version="1.0" encoding="utf-8"?>
+<p:sld xmlns:a="http://schemas.openxmlformats.org/drawingml/2006/main" xmlns:r="http://schemas.openxmlformats.org/officeDocument/2006/relationships" xmlns:p="http://schemas.openxmlformats.org/presentationml/2006/main">
+  <p:cSld>
+    <p:spTree>
+      <p:nvGrpSpPr>
+        <p:cNvPr id="1" name=""/>
+        <p:cNvGrpSpPr/>
+        <p:nvPr/>
+      </p:nvGrpSpPr>
+      <p:grpSpPr>
+        <a:xfrm>
+          <a:off x="0" y="0"/>
+          <a:ext cx="0" cy="0"/>
+          <a:chOff x="0" y="0"/>
+          <a:chExt cx="0" cy="0"/>
+        </a:xfrm>
+      </p:grpSpPr>
+      <p:sp>
+        <p:nvSpPr>
+          <p:cNvPr id="6" name="任意多边形: 形状 5">
+            <a:extLst>
+              <a:ext uri="{FF2B5EF4-FFF2-40B4-BE49-F238E27FC236}">
+                <a16:creationId xmlns:a16="http://schemas.microsoft.com/office/drawing/2014/main" id="{82FFD93B-6D77-F3A3-9E5D-BDF827FB8833}"/>
+              </a:ext>
+            </a:extLst>
+          </p:cNvPr>
+          <p:cNvSpPr/>
+          <p:nvPr/>
+        </p:nvSpPr>
+        <p:spPr>
+          <a:xfrm>
+            <a:off x="3763293" y="848976"/>
+            <a:ext cx="4831668" cy="5693996"/>
+          </a:xfrm>
+          <a:custGeom>
+            <a:avLst/>
+            <a:gdLst>
+              <a:gd name="connsiteX0" fmla="*/ 2332707 w 4831668"/>
+              <a:gd name="connsiteY0" fmla="*/ 457956 h 5693996"/>
+              <a:gd name="connsiteX1" fmla="*/ 2215029 w 4831668"/>
+              <a:gd name="connsiteY1" fmla="*/ 575634 h 5693996"/>
+              <a:gd name="connsiteX2" fmla="*/ 2215029 w 4831668"/>
+              <a:gd name="connsiteY2" fmla="*/ 2236161 h 5693996"/>
+              <a:gd name="connsiteX3" fmla="*/ 2217557 w 4831668"/>
+              <a:gd name="connsiteY3" fmla="*/ 2248684 h 5693996"/>
+              <a:gd name="connsiteX4" fmla="*/ 2148383 w 4831668"/>
+              <a:gd name="connsiteY4" fmla="*/ 2585999 h 5693996"/>
+              <a:gd name="connsiteX5" fmla="*/ 1536152 w 4831668"/>
+              <a:gd name="connsiteY5" fmla="*/ 1273066 h 5693996"/>
+              <a:gd name="connsiteX6" fmla="*/ 1425189 w 4831668"/>
+              <a:gd name="connsiteY6" fmla="*/ 1205169 h 5693996"/>
+              <a:gd name="connsiteX7" fmla="*/ 1379766 w 4831668"/>
+              <a:gd name="connsiteY7" fmla="*/ 1216146 h 5693996"/>
+              <a:gd name="connsiteX8" fmla="*/ 1322847 w 4831668"/>
+              <a:gd name="connsiteY8" fmla="*/ 1372531 h 5693996"/>
+              <a:gd name="connsiteX9" fmla="*/ 2024617 w 4831668"/>
+              <a:gd name="connsiteY9" fmla="*/ 2877480 h 5693996"/>
+              <a:gd name="connsiteX10" fmla="*/ 2052357 w 4831668"/>
+              <a:gd name="connsiteY10" fmla="*/ 2915086 h 5693996"/>
+              <a:gd name="connsiteX11" fmla="*/ 2077764 w 4831668"/>
+              <a:gd name="connsiteY11" fmla="*/ 2930359 h 5693996"/>
+              <a:gd name="connsiteX12" fmla="*/ 1941610 w 4831668"/>
+              <a:gd name="connsiteY12" fmla="*/ 3594290 h 5693996"/>
+              <a:gd name="connsiteX13" fmla="*/ 1028382 w 4831668"/>
+              <a:gd name="connsiteY13" fmla="*/ 2681061 h 5693996"/>
+              <a:gd name="connsiteX14" fmla="*/ 945171 w 4831668"/>
+              <a:gd name="connsiteY14" fmla="*/ 2646594 h 5693996"/>
+              <a:gd name="connsiteX15" fmla="*/ 861960 w 4831668"/>
+              <a:gd name="connsiteY15" fmla="*/ 2681061 h 5693996"/>
+              <a:gd name="connsiteX16" fmla="*/ 861960 w 4831668"/>
+              <a:gd name="connsiteY16" fmla="*/ 2847483 h 5693996"/>
+              <a:gd name="connsiteX17" fmla="*/ 1884969 w 4831668"/>
+              <a:gd name="connsiteY17" fmla="*/ 3870491 h 5693996"/>
+              <a:gd name="connsiteX18" fmla="*/ 1657610 w 4831668"/>
+              <a:gd name="connsiteY18" fmla="*/ 4979168 h 5693996"/>
+              <a:gd name="connsiteX19" fmla="*/ 3007803 w 4831668"/>
+              <a:gd name="connsiteY19" fmla="*/ 4979168 h 5693996"/>
+              <a:gd name="connsiteX20" fmla="*/ 2779800 w 4831668"/>
+              <a:gd name="connsiteY20" fmla="*/ 3867351 h 5693996"/>
+              <a:gd name="connsiteX21" fmla="*/ 3799670 w 4831668"/>
+              <a:gd name="connsiteY21" fmla="*/ 2847483 h 5693996"/>
+              <a:gd name="connsiteX22" fmla="*/ 3799670 w 4831668"/>
+              <a:gd name="connsiteY22" fmla="*/ 2681061 h 5693996"/>
+              <a:gd name="connsiteX23" fmla="*/ 3716459 w 4831668"/>
+              <a:gd name="connsiteY23" fmla="*/ 2646594 h 5693996"/>
+              <a:gd name="connsiteX24" fmla="*/ 3633248 w 4831668"/>
+              <a:gd name="connsiteY24" fmla="*/ 2681061 h 5693996"/>
+              <a:gd name="connsiteX25" fmla="*/ 2723159 w 4831668"/>
+              <a:gd name="connsiteY25" fmla="*/ 3591150 h 5693996"/>
+              <a:gd name="connsiteX26" fmla="*/ 2587649 w 4831668"/>
+              <a:gd name="connsiteY26" fmla="*/ 2930359 h 5693996"/>
+              <a:gd name="connsiteX27" fmla="*/ 2613056 w 4831668"/>
+              <a:gd name="connsiteY27" fmla="*/ 2915086 h 5693996"/>
+              <a:gd name="connsiteX28" fmla="*/ 2640796 w 4831668"/>
+              <a:gd name="connsiteY28" fmla="*/ 2877480 h 5693996"/>
+              <a:gd name="connsiteX29" fmla="*/ 3342566 w 4831668"/>
+              <a:gd name="connsiteY29" fmla="*/ 1372531 h 5693996"/>
+              <a:gd name="connsiteX30" fmla="*/ 3285647 w 4831668"/>
+              <a:gd name="connsiteY30" fmla="*/ 1216146 h 5693996"/>
+              <a:gd name="connsiteX31" fmla="*/ 3240224 w 4831668"/>
+              <a:gd name="connsiteY31" fmla="*/ 1205169 h 5693996"/>
+              <a:gd name="connsiteX32" fmla="*/ 3129261 w 4831668"/>
+              <a:gd name="connsiteY32" fmla="*/ 1273066 h 5693996"/>
+              <a:gd name="connsiteX33" fmla="*/ 2517031 w 4831668"/>
+              <a:gd name="connsiteY33" fmla="*/ 2585998 h 5693996"/>
+              <a:gd name="connsiteX34" fmla="*/ 2447857 w 4831668"/>
+              <a:gd name="connsiteY34" fmla="*/ 2248682 h 5693996"/>
+              <a:gd name="connsiteX35" fmla="*/ 2450384 w 4831668"/>
+              <a:gd name="connsiteY35" fmla="*/ 2236162 h 5693996"/>
+              <a:gd name="connsiteX36" fmla="*/ 2450385 w 4831668"/>
+              <a:gd name="connsiteY36" fmla="*/ 575634 h 5693996"/>
+              <a:gd name="connsiteX37" fmla="*/ 2332707 w 4831668"/>
+              <a:gd name="connsiteY37" fmla="*/ 457956 h 5693996"/>
+              <a:gd name="connsiteX38" fmla="*/ 2969554 w 4831668"/>
+              <a:gd name="connsiteY38" fmla="*/ 684 h 5693996"/>
+              <a:gd name="connsiteX39" fmla="*/ 3840804 w 4831668"/>
+              <a:gd name="connsiteY39" fmla="*/ 201839 h 5693996"/>
+              <a:gd name="connsiteX40" fmla="*/ 4366453 w 4831668"/>
+              <a:gd name="connsiteY40" fmla="*/ 3897814 h 5693996"/>
+              <a:gd name="connsiteX41" fmla="*/ 990864 w 4831668"/>
+              <a:gd name="connsiteY41" fmla="*/ 5492157 h 5693996"/>
+              <a:gd name="connsiteX42" fmla="*/ 465215 w 4831668"/>
+              <a:gd name="connsiteY42" fmla="*/ 1796183 h 5693996"/>
+              <a:gd name="connsiteX43" fmla="*/ 2969554 w 4831668"/>
+              <a:gd name="connsiteY43" fmla="*/ 684 h 5693996"/>
+            </a:gdLst>
+            <a:ahLst/>
+            <a:cxnLst>
+              <a:cxn ang="0">
+                <a:pos x="connsiteX0" y="connsiteY0"/>
+              </a:cxn>
+              <a:cxn ang="0">
+                <a:pos x="connsiteX1" y="connsiteY1"/>
+              </a:cxn>
+              <a:cxn ang="0">
+                <a:pos x="connsiteX2" y="connsiteY2"/>
+              </a:cxn>
+              <a:cxn ang="0">
+                <a:pos x="connsiteX3" y="connsiteY3"/>
+              </a:cxn>
+              <a:cxn ang="0">
+                <a:pos x="connsiteX4" y="connsiteY4"/>
+              </a:cxn>
+              <a:cxn ang="0">
+                <a:pos x="connsiteX5" y="connsiteY5"/>
+              </a:cxn>
+              <a:cxn ang="0">
+                <a:pos x="connsiteX6" y="connsiteY6"/>
+              </a:cxn>
+              <a:cxn ang="0">
+                <a:pos x="connsiteX7" y="connsiteY7"/>
+              </a:cxn>
+              <a:cxn ang="0">
+                <a:pos x="connsiteX8" y="connsiteY8"/>
+              </a:cxn>
+              <a:cxn ang="0">
+                <a:pos x="connsiteX9" y="connsiteY9"/>
+              </a:cxn>
+              <a:cxn ang="0">
+                <a:pos x="connsiteX10" y="connsiteY10"/>
+              </a:cxn>
+              <a:cxn ang="0">
+                <a:pos x="connsiteX11" y="connsiteY11"/>
+              </a:cxn>
+              <a:cxn ang="0">
+                <a:pos x="connsiteX12" y="connsiteY12"/>
+              </a:cxn>
+              <a:cxn ang="0">
+                <a:pos x="connsiteX13" y="connsiteY13"/>
+              </a:cxn>
+              <a:cxn ang="0">
+                <a:pos x="connsiteX14" y="connsiteY14"/>
+              </a:cxn>
+              <a:cxn ang="0">
+                <a:pos x="connsiteX15" y="connsiteY15"/>
+              </a:cxn>
+              <a:cxn ang="0">
+                <a:pos x="connsiteX16" y="connsiteY16"/>
+              </a:cxn>
+              <a:cxn ang="0">
+                <a:pos x="connsiteX17" y="connsiteY17"/>
+              </a:cxn>
+              <a:cxn ang="0">
+                <a:pos x="connsiteX18" y="connsiteY18"/>
+              </a:cxn>
+              <a:cxn ang="0">
+                <a:pos x="connsiteX19" y="connsiteY19"/>
+              </a:cxn>
+              <a:cxn ang="0">
+                <a:pos x="connsiteX20" y="connsiteY20"/>
+              </a:cxn>
+              <a:cxn ang="0">
+                <a:pos x="connsiteX21" y="connsiteY21"/>
+              </a:cxn>
+              <a:cxn ang="0">
+                <a:pos x="connsiteX22" y="connsiteY22"/>
+              </a:cxn>
+              <a:cxn ang="0">
+                <a:pos x="connsiteX23" y="connsiteY23"/>
+              </a:cxn>
+              <a:cxn ang="0">
+                <a:pos x="connsiteX24" y="connsiteY24"/>
+              </a:cxn>
+              <a:cxn ang="0">
+                <a:pos x="connsiteX25" y="connsiteY25"/>
+              </a:cxn>
+              <a:cxn ang="0">
+                <a:pos x="connsiteX26" y="connsiteY26"/>
+              </a:cxn>
+              <a:cxn ang="0">
+                <a:pos x="connsiteX27" y="connsiteY27"/>
+              </a:cxn>
+              <a:cxn ang="0">
+                <a:pos x="connsiteX28" y="connsiteY28"/>
+              </a:cxn>
+              <a:cxn ang="0">
+                <a:pos x="connsiteX29" y="connsiteY29"/>
+              </a:cxn>
+              <a:cxn ang="0">
+                <a:pos x="connsiteX30" y="connsiteY30"/>
+              </a:cxn>
+              <a:cxn ang="0">
+                <a:pos x="connsiteX31" y="connsiteY31"/>
+              </a:cxn>
+              <a:cxn ang="0">
+                <a:pos x="connsiteX32" y="connsiteY32"/>
+              </a:cxn>
+              <a:cxn ang="0">
+                <a:pos x="connsiteX33" y="connsiteY33"/>
+              </a:cxn>
+              <a:cxn ang="0">
+                <a:pos x="connsiteX34" y="connsiteY34"/>
+              </a:cxn>
+              <a:cxn ang="0">
+                <a:pos x="connsiteX35" y="connsiteY35"/>
+              </a:cxn>
+              <a:cxn ang="0">
+                <a:pos x="connsiteX36" y="connsiteY36"/>
+              </a:cxn>
+              <a:cxn ang="0">
+                <a:pos x="connsiteX37" y="connsiteY37"/>
+              </a:cxn>
+              <a:cxn ang="0">
+                <a:pos x="connsiteX38" y="connsiteY38"/>
+              </a:cxn>
+              <a:cxn ang="0">
+                <a:pos x="connsiteX39" y="connsiteY39"/>
+              </a:cxn>
+              <a:cxn ang="0">
+                <a:pos x="connsiteX40" y="connsiteY40"/>
+              </a:cxn>
+              <a:cxn ang="0">
+                <a:pos x="connsiteX41" y="connsiteY41"/>
+              </a:cxn>
+              <a:cxn ang="0">
+                <a:pos x="connsiteX42" y="connsiteY42"/>
+              </a:cxn>
+              <a:cxn ang="0">
+                <a:pos x="connsiteX43" y="connsiteY43"/>
+              </a:cxn>
+            </a:cxnLst>
+            <a:rect l="l" t="t" r="r" b="b"/>
+            <a:pathLst>
+              <a:path w="4831668" h="5693996">
+                <a:moveTo>
+                  <a:pt x="2332707" y="457956"/>
+                </a:moveTo>
+                <a:cubicBezTo>
+                  <a:pt x="2267715" y="457956"/>
+                  <a:pt x="2215029" y="510642"/>
+                  <a:pt x="2215029" y="575634"/>
+                </a:cubicBezTo>
+                <a:lnTo>
+                  <a:pt x="2215029" y="2236161"/>
+                </a:lnTo>
+                <a:lnTo>
+                  <a:pt x="2217557" y="2248684"/>
+                </a:lnTo>
+                <a:lnTo>
+                  <a:pt x="2148383" y="2585999"/>
+                </a:lnTo>
+                <a:lnTo>
+                  <a:pt x="1536152" y="1273066"/>
+                </a:lnTo>
+                <a:cubicBezTo>
+                  <a:pt x="1515552" y="1228889"/>
+                  <a:pt x="1471018" y="1203510"/>
+                  <a:pt x="1425189" y="1205169"/>
+                </a:cubicBezTo>
+                <a:cubicBezTo>
+                  <a:pt x="1409912" y="1205722"/>
+                  <a:pt x="1394492" y="1209279"/>
+                  <a:pt x="1379766" y="1216146"/>
+                </a:cubicBezTo>
+                <a:cubicBezTo>
+                  <a:pt x="1320864" y="1243613"/>
+                  <a:pt x="1295380" y="1313629"/>
+                  <a:pt x="1322847" y="1372531"/>
+                </a:cubicBezTo>
+                <a:cubicBezTo>
+                  <a:pt x="1556770" y="1874181"/>
+                  <a:pt x="1790694" y="2375831"/>
+                  <a:pt x="2024617" y="2877480"/>
+                </a:cubicBezTo>
+                <a:cubicBezTo>
+                  <a:pt x="2031484" y="2892206"/>
+                  <a:pt x="2041010" y="2904843"/>
+                  <a:pt x="2052357" y="2915086"/>
+                </a:cubicBezTo>
+                <a:lnTo>
+                  <a:pt x="2077764" y="2930359"/>
+                </a:lnTo>
+                <a:lnTo>
+                  <a:pt x="1941610" y="3594290"/>
+                </a:lnTo>
+                <a:lnTo>
+                  <a:pt x="1028382" y="2681061"/>
+                </a:lnTo>
+                <a:cubicBezTo>
+                  <a:pt x="1005404" y="2658083"/>
+                  <a:pt x="975287" y="2646594"/>
+                  <a:pt x="945171" y="2646594"/>
+                </a:cubicBezTo>
+                <a:cubicBezTo>
+                  <a:pt x="915055" y="2646594"/>
+                  <a:pt x="884938" y="2658083"/>
+                  <a:pt x="861960" y="2681061"/>
+                </a:cubicBezTo>
+                <a:cubicBezTo>
+                  <a:pt x="816004" y="2727017"/>
+                  <a:pt x="816004" y="2801527"/>
+                  <a:pt x="861960" y="2847483"/>
+                </a:cubicBezTo>
+                <a:lnTo>
+                  <a:pt x="1884969" y="3870491"/>
+                </a:lnTo>
+                <a:lnTo>
+                  <a:pt x="1657610" y="4979168"/>
+                </a:lnTo>
+                <a:lnTo>
+                  <a:pt x="3007803" y="4979168"/>
+                </a:lnTo>
+                <a:lnTo>
+                  <a:pt x="2779800" y="3867351"/>
+                </a:lnTo>
+                <a:lnTo>
+                  <a:pt x="3799670" y="2847483"/>
+                </a:lnTo>
+                <a:cubicBezTo>
+                  <a:pt x="3845626" y="2801527"/>
+                  <a:pt x="3845626" y="2727017"/>
+                  <a:pt x="3799670" y="2681061"/>
+                </a:cubicBezTo>
+                <a:cubicBezTo>
+                  <a:pt x="3776692" y="2658083"/>
+                  <a:pt x="3746575" y="2646594"/>
+                  <a:pt x="3716459" y="2646594"/>
+                </a:cubicBezTo>
+                <a:cubicBezTo>
+                  <a:pt x="3686343" y="2646594"/>
+                  <a:pt x="3656226" y="2658083"/>
+                  <a:pt x="3633248" y="2681061"/>
+                </a:cubicBezTo>
+                <a:lnTo>
+                  <a:pt x="2723159" y="3591150"/>
+                </a:lnTo>
+                <a:lnTo>
+                  <a:pt x="2587649" y="2930359"/>
+                </a:lnTo>
+                <a:lnTo>
+                  <a:pt x="2613056" y="2915086"/>
+                </a:lnTo>
+                <a:cubicBezTo>
+                  <a:pt x="2624403" y="2904843"/>
+                  <a:pt x="2633929" y="2892206"/>
+                  <a:pt x="2640796" y="2877480"/>
+                </a:cubicBezTo>
+                <a:cubicBezTo>
+                  <a:pt x="2874719" y="2375831"/>
+                  <a:pt x="3108643" y="1874181"/>
+                  <a:pt x="3342566" y="1372531"/>
+                </a:cubicBezTo>
+                <a:cubicBezTo>
+                  <a:pt x="3370033" y="1313629"/>
+                  <a:pt x="3344549" y="1243613"/>
+                  <a:pt x="3285647" y="1216146"/>
+                </a:cubicBezTo>
+                <a:cubicBezTo>
+                  <a:pt x="3270921" y="1209279"/>
+                  <a:pt x="3255501" y="1205722"/>
+                  <a:pt x="3240224" y="1205169"/>
+                </a:cubicBezTo>
+                <a:cubicBezTo>
+                  <a:pt x="3194395" y="1203510"/>
+                  <a:pt x="3149861" y="1228889"/>
+                  <a:pt x="3129261" y="1273066"/>
+                </a:cubicBezTo>
+                <a:lnTo>
+                  <a:pt x="2517031" y="2585998"/>
+                </a:lnTo>
+                <a:lnTo>
+                  <a:pt x="2447857" y="2248682"/>
+                </a:lnTo>
+                <a:lnTo>
+                  <a:pt x="2450384" y="2236162"/>
+                </a:lnTo>
+                <a:cubicBezTo>
+                  <a:pt x="2450384" y="1682653"/>
+                  <a:pt x="2450385" y="1129143"/>
+                  <a:pt x="2450385" y="575634"/>
+                </a:cubicBezTo>
+                <a:cubicBezTo>
+                  <a:pt x="2450385" y="510642"/>
+                  <a:pt x="2397699" y="457956"/>
+                  <a:pt x="2332707" y="457956"/>
+                </a:cubicBezTo>
+                <a:close/>
+                <a:moveTo>
+                  <a:pt x="2969554" y="684"/>
+                </a:moveTo>
+                <a:cubicBezTo>
+                  <a:pt x="3275031" y="-7450"/>
+                  <a:pt x="3571480" y="56752"/>
+                  <a:pt x="3840804" y="201839"/>
+                </a:cubicBezTo>
+                <a:cubicBezTo>
+                  <a:pt x="4918101" y="782189"/>
+                  <a:pt x="5153442" y="2436933"/>
+                  <a:pt x="4366453" y="3897814"/>
+                </a:cubicBezTo>
+                <a:cubicBezTo>
+                  <a:pt x="3579464" y="5358695"/>
+                  <a:pt x="2068161" y="6072506"/>
+                  <a:pt x="990864" y="5492157"/>
+                </a:cubicBezTo>
+                <a:cubicBezTo>
+                  <a:pt x="-86433" y="4911808"/>
+                  <a:pt x="-321774" y="3257064"/>
+                  <a:pt x="465215" y="1796183"/>
+                </a:cubicBezTo>
+                <a:cubicBezTo>
+                  <a:pt x="1055457" y="700522"/>
+                  <a:pt x="2053126" y="25088"/>
+                  <a:pt x="2969554" y="684"/>
+                </a:cubicBezTo>
+                <a:close/>
+              </a:path>
+            </a:pathLst>
+          </a:custGeom>
+          <a:solidFill>
+            <a:srgbClr val="38BB03"/>
+          </a:solidFill>
+          <a:ln>
+            <a:solidFill>
+              <a:srgbClr val="38BB03"/>
+            </a:solidFill>
+          </a:ln>
+        </p:spPr>
+        <p:style>
+          <a:lnRef idx="2">
+            <a:schemeClr val="accent1">
+              <a:shade val="50000"/>
+            </a:schemeClr>
+          </a:lnRef>
+          <a:fillRef idx="1">
+            <a:schemeClr val="accent1"/>
+          </a:fillRef>
+          <a:effectRef idx="0">
+            <a:schemeClr val="accent1"/>
+          </a:effectRef>
+          <a:fontRef idx="minor">
+            <a:schemeClr val="lt1"/>
+          </a:fontRef>
+        </p:style>
+        <p:txBody>
+          <a:bodyPr wrap="square" rtlCol="0" anchor="ctr">
+            <a:noAutofit/>
+          </a:bodyPr>
+          <a:lstStyle/>
+          <a:p>
+            <a:pPr algn="ctr"/>
+            <a:endParaRPr lang="zh-CN" altLang="en-US"/>
+          </a:p>
+        </p:txBody>
+      </p:sp>
+      <p:sp>
+        <p:nvSpPr>
+          <p:cNvPr id="19" name="矩形: 圆角 18">
+            <a:extLst>
+              <a:ext uri="{FF2B5EF4-FFF2-40B4-BE49-F238E27FC236}">
+                <a16:creationId xmlns:a16="http://schemas.microsoft.com/office/drawing/2014/main" id="{B2465E70-8235-074D-C654-E79C59460B76}"/>
+              </a:ext>
+            </a:extLst>
+          </p:cNvPr>
+          <p:cNvSpPr/>
+          <p:nvPr/>
+        </p:nvSpPr>
+        <p:spPr>
+          <a:xfrm>
+            <a:off x="980231" y="4182149"/>
+            <a:ext cx="235355" cy="1895883"/>
+          </a:xfrm>
+          <a:prstGeom prst="roundRect">
+            <a:avLst>
+              <a:gd name="adj" fmla="val 50000"/>
+            </a:avLst>
+          </a:prstGeom>
+          <a:solidFill>
+            <a:srgbClr val="38BB03"/>
+          </a:solidFill>
+          <a:ln>
+            <a:solidFill>
+              <a:srgbClr val="38BB03"/>
+            </a:solidFill>
+          </a:ln>
+        </p:spPr>
+        <p:style>
+          <a:lnRef idx="2">
+            <a:schemeClr val="accent1">
+              <a:shade val="50000"/>
+            </a:schemeClr>
+          </a:lnRef>
+          <a:fillRef idx="1">
+            <a:schemeClr val="accent1"/>
+          </a:fillRef>
+          <a:effectRef idx="0">
+            <a:schemeClr val="accent1"/>
+          </a:effectRef>
+          <a:fontRef idx="minor">
+            <a:schemeClr val="lt1"/>
+          </a:fontRef>
+        </p:style>
+        <p:txBody>
+          <a:bodyPr rtlCol="0" anchor="ctr"/>
+          <a:lstStyle>
+            <a:defPPr>
+              <a:defRPr lang="zh-CN"/>
+            </a:defPPr>
+            <a:lvl1pPr marL="0" algn="l" defTabSz="914400" rtl="0" eaLnBrk="1" latinLnBrk="0" hangingPunct="1">
+              <a:defRPr sz="1800" kern="1200">
+                <a:solidFill>
+                  <a:schemeClr val="lt1"/>
+                </a:solidFill>
+                <a:latin typeface="+mn-lt"/>
+                <a:ea typeface="+mn-ea"/>
+                <a:cs typeface="+mn-cs"/>
+              </a:defRPr>
+            </a:lvl1pPr>
+            <a:lvl2pPr marL="457200" algn="l" defTabSz="914400" rtl="0" eaLnBrk="1" latinLnBrk="0" hangingPunct="1">
+              <a:defRPr sz="1800" kern="1200">
+                <a:solidFill>
+                  <a:schemeClr val="lt1"/>
+                </a:solidFill>
+                <a:latin typeface="+mn-lt"/>
+                <a:ea typeface="+mn-ea"/>
+                <a:cs typeface="+mn-cs"/>
+              </a:defRPr>
+            </a:lvl2pPr>
+            <a:lvl3pPr marL="914400" algn="l" defTabSz="914400" rtl="0" eaLnBrk="1" latinLnBrk="0" hangingPunct="1">
+              <a:defRPr sz="1800" kern="1200">
+                <a:solidFill>
+                  <a:schemeClr val="lt1"/>
+                </a:solidFill>
+                <a:latin typeface="+mn-lt"/>
+                <a:ea typeface="+mn-ea"/>
+                <a:cs typeface="+mn-cs"/>
+              </a:defRPr>
+            </a:lvl3pPr>
+            <a:lvl4pPr marL="1371600" algn="l" defTabSz="914400" rtl="0" eaLnBrk="1" latinLnBrk="0" hangingPunct="1">
+              <a:defRPr sz="1800" kern="1200">
+                <a:solidFill>
+                  <a:schemeClr val="lt1"/>
+                </a:solidFill>
+                <a:latin typeface="+mn-lt"/>
+                <a:ea typeface="+mn-ea"/>
+                <a:cs typeface="+mn-cs"/>
+              </a:defRPr>
+            </a:lvl4pPr>
+            <a:lvl5pPr marL="1828800" algn="l" defTabSz="914400" rtl="0" eaLnBrk="1" latinLnBrk="0" hangingPunct="1">
+              <a:defRPr sz="1800" kern="1200">
+                <a:solidFill>
+                  <a:schemeClr val="lt1"/>
+                </a:solidFill>
+                <a:latin typeface="+mn-lt"/>
+                <a:ea typeface="+mn-ea"/>
+                <a:cs typeface="+mn-cs"/>
+              </a:defRPr>
+            </a:lvl5pPr>
+            <a:lvl6pPr marL="2286000" algn="l" defTabSz="914400" rtl="0" eaLnBrk="1" latinLnBrk="0" hangingPunct="1">
+              <a:defRPr sz="1800" kern="1200">
+                <a:solidFill>
+                  <a:schemeClr val="lt1"/>
+                </a:solidFill>
+                <a:latin typeface="+mn-lt"/>
+                <a:ea typeface="+mn-ea"/>
+                <a:cs typeface="+mn-cs"/>
+              </a:defRPr>
+            </a:lvl6pPr>
+            <a:lvl7pPr marL="2743200" algn="l" defTabSz="914400" rtl="0" eaLnBrk="1" latinLnBrk="0" hangingPunct="1">
+              <a:defRPr sz="1800" kern="1200">
+                <a:solidFill>
+                  <a:schemeClr val="lt1"/>
+                </a:solidFill>
+                <a:latin typeface="+mn-lt"/>
+                <a:ea typeface="+mn-ea"/>
+                <a:cs typeface="+mn-cs"/>
+              </a:defRPr>
+            </a:lvl7pPr>
+            <a:lvl8pPr marL="3200400" algn="l" defTabSz="914400" rtl="0" eaLnBrk="1" latinLnBrk="0" hangingPunct="1">
+              <a:defRPr sz="1800" kern="1200">
+                <a:solidFill>
+                  <a:schemeClr val="lt1"/>
+                </a:solidFill>
+                <a:latin typeface="+mn-lt"/>
+                <a:ea typeface="+mn-ea"/>
+                <a:cs typeface="+mn-cs"/>
+              </a:defRPr>
+            </a:lvl8pPr>
+            <a:lvl9pPr marL="3657600" algn="l" defTabSz="914400" rtl="0" eaLnBrk="1" latinLnBrk="0" hangingPunct="1">
+              <a:defRPr sz="1800" kern="1200">
+                <a:solidFill>
+                  <a:schemeClr val="lt1"/>
+                </a:solidFill>
+                <a:latin typeface="+mn-lt"/>
+                <a:ea typeface="+mn-ea"/>
+                <a:cs typeface="+mn-cs"/>
+              </a:defRPr>
+            </a:lvl9pPr>
+          </a:lstStyle>
+          <a:p>
+            <a:pPr algn="ctr"/>
+            <a:endParaRPr lang="zh-CN" altLang="en-US"/>
+          </a:p>
+        </p:txBody>
+      </p:sp>
+      <p:sp>
+        <p:nvSpPr>
+          <p:cNvPr id="2" name="文本框 1">
+            <a:extLst>
+              <a:ext uri="{FF2B5EF4-FFF2-40B4-BE49-F238E27FC236}">
+                <a16:creationId xmlns:a16="http://schemas.microsoft.com/office/drawing/2014/main" id="{73B3B244-E7DD-3C45-C98D-DE6F280E5A25}"/>
+              </a:ext>
+            </a:extLst>
+          </p:cNvPr>
+          <p:cNvSpPr txBox="1"/>
+          <p:nvPr/>
+        </p:nvSpPr>
+        <p:spPr>
+          <a:xfrm>
+            <a:off x="1097908" y="683491"/>
+            <a:ext cx="1534394" cy="369332"/>
+          </a:xfrm>
+          <a:prstGeom prst="rect">
+            <a:avLst/>
+          </a:prstGeom>
+          <a:noFill/>
+        </p:spPr>
+        <p:txBody>
+          <a:bodyPr wrap="none" rtlCol="0">
+            <a:spAutoFit/>
+          </a:bodyPr>
+          <a:lstStyle/>
+          <a:p>
+            <a:r>
+              <a:rPr lang="en-US" altLang="zh-CN" dirty="0"/>
+              <a:t>Before merge</a:t>
+            </a:r>
+            <a:endParaRPr lang="zh-CN" altLang="en-US" dirty="0"/>
+          </a:p>
+        </p:txBody>
+      </p:sp>
+    </p:spTree>
+    <p:extLst>
+      <p:ext uri="{BB962C8B-B14F-4D97-AF65-F5344CB8AC3E}">
+        <p14:creationId xmlns:p14="http://schemas.microsoft.com/office/powerpoint/2010/main" val="870998540"/>
+      </p:ext>
+    </p:extLst>
+  </p:cSld>
+  <p:clrMapOvr>
+    <a:masterClrMapping/>
+  </p:clrMapOvr>
+</p:sld>
+</file>
+
 <file path=ppt/theme/theme1.xml><?xml version="1.0" encoding="utf-8"?>
 <a:theme xmlns:a="http://schemas.openxmlformats.org/drawingml/2006/main" name="Office 主题​​">
   <a:themeElements>
